--- a/figures/figures.pptx
+++ b/figures/figures.pptx
@@ -7,6 +7,7 @@
   <p:sldIdLst>
     <p:sldId id="256" r:id="rId2"/>
     <p:sldId id="257" r:id="rId3"/>
+    <p:sldId id="258" r:id="rId4"/>
   </p:sldIdLst>
   <p:sldSz cx="12192000" cy="6858000"/>
   <p:notesSz cx="6858000" cy="9144000"/>
@@ -271,7 +272,7 @@
           <a:p>
             <a:fld id="{2474F534-7823-4C13-8CF7-9EC165EC7495}" type="datetimeFigureOut">
               <a:rPr lang="en-US" smtClean="0"/>
-              <a:t>4/24/2023</a:t>
+              <a:t>5/3/2023</a:t>
             </a:fld>
             <a:endParaRPr lang="en-US"/>
           </a:p>
@@ -469,7 +470,7 @@
           <a:p>
             <a:fld id="{2474F534-7823-4C13-8CF7-9EC165EC7495}" type="datetimeFigureOut">
               <a:rPr lang="en-US" smtClean="0"/>
-              <a:t>4/24/2023</a:t>
+              <a:t>5/3/2023</a:t>
             </a:fld>
             <a:endParaRPr lang="en-US"/>
           </a:p>
@@ -677,7 +678,7 @@
           <a:p>
             <a:fld id="{2474F534-7823-4C13-8CF7-9EC165EC7495}" type="datetimeFigureOut">
               <a:rPr lang="en-US" smtClean="0"/>
-              <a:t>4/24/2023</a:t>
+              <a:t>5/3/2023</a:t>
             </a:fld>
             <a:endParaRPr lang="en-US"/>
           </a:p>
@@ -875,7 +876,7 @@
           <a:p>
             <a:fld id="{2474F534-7823-4C13-8CF7-9EC165EC7495}" type="datetimeFigureOut">
               <a:rPr lang="en-US" smtClean="0"/>
-              <a:t>4/24/2023</a:t>
+              <a:t>5/3/2023</a:t>
             </a:fld>
             <a:endParaRPr lang="en-US"/>
           </a:p>
@@ -1150,7 +1151,7 @@
           <a:p>
             <a:fld id="{2474F534-7823-4C13-8CF7-9EC165EC7495}" type="datetimeFigureOut">
               <a:rPr lang="en-US" smtClean="0"/>
-              <a:t>4/24/2023</a:t>
+              <a:t>5/3/2023</a:t>
             </a:fld>
             <a:endParaRPr lang="en-US"/>
           </a:p>
@@ -1415,7 +1416,7 @@
           <a:p>
             <a:fld id="{2474F534-7823-4C13-8CF7-9EC165EC7495}" type="datetimeFigureOut">
               <a:rPr lang="en-US" smtClean="0"/>
-              <a:t>4/24/2023</a:t>
+              <a:t>5/3/2023</a:t>
             </a:fld>
             <a:endParaRPr lang="en-US"/>
           </a:p>
@@ -1827,7 +1828,7 @@
           <a:p>
             <a:fld id="{2474F534-7823-4C13-8CF7-9EC165EC7495}" type="datetimeFigureOut">
               <a:rPr lang="en-US" smtClean="0"/>
-              <a:t>4/24/2023</a:t>
+              <a:t>5/3/2023</a:t>
             </a:fld>
             <a:endParaRPr lang="en-US"/>
           </a:p>
@@ -1968,7 +1969,7 @@
           <a:p>
             <a:fld id="{2474F534-7823-4C13-8CF7-9EC165EC7495}" type="datetimeFigureOut">
               <a:rPr lang="en-US" smtClean="0"/>
-              <a:t>4/24/2023</a:t>
+              <a:t>5/3/2023</a:t>
             </a:fld>
             <a:endParaRPr lang="en-US"/>
           </a:p>
@@ -2081,7 +2082,7 @@
           <a:p>
             <a:fld id="{2474F534-7823-4C13-8CF7-9EC165EC7495}" type="datetimeFigureOut">
               <a:rPr lang="en-US" smtClean="0"/>
-              <a:t>4/24/2023</a:t>
+              <a:t>5/3/2023</a:t>
             </a:fld>
             <a:endParaRPr lang="en-US"/>
           </a:p>
@@ -2392,7 +2393,7 @@
           <a:p>
             <a:fld id="{2474F534-7823-4C13-8CF7-9EC165EC7495}" type="datetimeFigureOut">
               <a:rPr lang="en-US" smtClean="0"/>
-              <a:t>4/24/2023</a:t>
+              <a:t>5/3/2023</a:t>
             </a:fld>
             <a:endParaRPr lang="en-US"/>
           </a:p>
@@ -2680,7 +2681,7 @@
           <a:p>
             <a:fld id="{2474F534-7823-4C13-8CF7-9EC165EC7495}" type="datetimeFigureOut">
               <a:rPr lang="en-US" smtClean="0"/>
-              <a:t>4/24/2023</a:t>
+              <a:t>5/3/2023</a:t>
             </a:fld>
             <a:endParaRPr lang="en-US"/>
           </a:p>
@@ -2921,7 +2922,7 @@
           <a:p>
             <a:fld id="{2474F534-7823-4C13-8CF7-9EC165EC7495}" type="datetimeFigureOut">
               <a:rPr lang="en-US" smtClean="0"/>
-              <a:t>4/24/2023</a:t>
+              <a:t>5/3/2023</a:t>
             </a:fld>
             <a:endParaRPr lang="en-US"/>
           </a:p>
@@ -4801,6 +4802,2088 @@
 </p:sld>
 </file>
 
+<file path=ppt/slides/slide3.xml><?xml version="1.0" encoding="utf-8"?>
+<p:sld xmlns:a="http://schemas.openxmlformats.org/drawingml/2006/main" xmlns:r="http://schemas.openxmlformats.org/officeDocument/2006/relationships" xmlns:p="http://schemas.openxmlformats.org/presentationml/2006/main">
+  <p:cSld>
+    <p:spTree>
+      <p:nvGrpSpPr>
+        <p:cNvPr id="1" name=""/>
+        <p:cNvGrpSpPr/>
+        <p:nvPr/>
+      </p:nvGrpSpPr>
+      <p:grpSpPr>
+        <a:xfrm>
+          <a:off x="0" y="0"/>
+          <a:ext cx="0" cy="0"/>
+          <a:chOff x="0" y="0"/>
+          <a:chExt cx="0" cy="0"/>
+        </a:xfrm>
+      </p:grpSpPr>
+      <p:grpSp>
+        <p:nvGrpSpPr>
+          <p:cNvPr id="19" name="Group 18">
+            <a:extLst>
+              <a:ext uri="{FF2B5EF4-FFF2-40B4-BE49-F238E27FC236}">
+                <a16:creationId xmlns:a16="http://schemas.microsoft.com/office/drawing/2014/main" id="{02BAD0FC-D267-A4A8-309B-BFA78B7C5D8E}"/>
+              </a:ext>
+            </a:extLst>
+          </p:cNvPr>
+          <p:cNvGrpSpPr/>
+          <p:nvPr/>
+        </p:nvGrpSpPr>
+        <p:grpSpPr>
+          <a:xfrm>
+            <a:off x="438539" y="494523"/>
+            <a:ext cx="10558831" cy="429208"/>
+            <a:chOff x="438539" y="494523"/>
+            <a:chExt cx="10558831" cy="429208"/>
+          </a:xfrm>
+        </p:grpSpPr>
+        <p:sp>
+          <p:nvSpPr>
+            <p:cNvPr id="4" name="Rectangle 3">
+              <a:extLst>
+                <a:ext uri="{FF2B5EF4-FFF2-40B4-BE49-F238E27FC236}">
+                  <a16:creationId xmlns:a16="http://schemas.microsoft.com/office/drawing/2014/main" id="{538444A0-35B1-974B-6768-A5E4AB0859B4}"/>
+                </a:ext>
+              </a:extLst>
+            </p:cNvPr>
+            <p:cNvSpPr/>
+            <p:nvPr/>
+          </p:nvSpPr>
+          <p:spPr>
+            <a:xfrm>
+              <a:off x="1380930" y="494523"/>
+              <a:ext cx="8761445" cy="429208"/>
+            </a:xfrm>
+            <a:prstGeom prst="rect">
+              <a:avLst/>
+            </a:prstGeom>
+            <a:noFill/>
+          </p:spPr>
+          <p:style>
+            <a:lnRef idx="2">
+              <a:schemeClr val="accent1">
+                <a:shade val="50000"/>
+              </a:schemeClr>
+            </a:lnRef>
+            <a:fillRef idx="1">
+              <a:schemeClr val="accent1"/>
+            </a:fillRef>
+            <a:effectRef idx="0">
+              <a:schemeClr val="accent1"/>
+            </a:effectRef>
+            <a:fontRef idx="minor">
+              <a:schemeClr val="lt1"/>
+            </a:fontRef>
+          </p:style>
+          <p:txBody>
+            <a:bodyPr rtlCol="0" anchor="ctr"/>
+            <a:lstStyle/>
+            <a:p>
+              <a:pPr algn="ctr"/>
+              <a:endParaRPr lang="en-US"/>
+            </a:p>
+          </p:txBody>
+        </p:sp>
+        <p:sp>
+          <p:nvSpPr>
+            <p:cNvPr id="5" name="TextBox 4">
+              <a:extLst>
+                <a:ext uri="{FF2B5EF4-FFF2-40B4-BE49-F238E27FC236}">
+                  <a16:creationId xmlns:a16="http://schemas.microsoft.com/office/drawing/2014/main" id="{E60718EE-6FDE-5424-6515-8ABBFBB3DCE4}"/>
+                </a:ext>
+              </a:extLst>
+            </p:cNvPr>
+            <p:cNvSpPr txBox="1"/>
+            <p:nvPr/>
+          </p:nvSpPr>
+          <p:spPr>
+            <a:xfrm>
+              <a:off x="4105469" y="522515"/>
+              <a:ext cx="2883159" cy="369332"/>
+            </a:xfrm>
+            <a:prstGeom prst="rect">
+              <a:avLst/>
+            </a:prstGeom>
+            <a:noFill/>
+          </p:spPr>
+          <p:txBody>
+            <a:bodyPr wrap="square" rtlCol="0">
+              <a:spAutoFit/>
+            </a:bodyPr>
+            <a:lstStyle/>
+            <a:p>
+              <a:pPr algn="ctr"/>
+              <a:r>
+                <a:rPr lang="en-US" dirty="0"/>
+                <a:t>Original DNA</a:t>
+              </a:r>
+            </a:p>
+          </p:txBody>
+        </p:sp>
+        <p:sp>
+          <p:nvSpPr>
+            <p:cNvPr id="6" name="Rectangle 5">
+              <a:extLst>
+                <a:ext uri="{FF2B5EF4-FFF2-40B4-BE49-F238E27FC236}">
+                  <a16:creationId xmlns:a16="http://schemas.microsoft.com/office/drawing/2014/main" id="{58233195-076E-58D1-A262-1F3453E51965}"/>
+                </a:ext>
+              </a:extLst>
+            </p:cNvPr>
+            <p:cNvSpPr/>
+            <p:nvPr/>
+          </p:nvSpPr>
+          <p:spPr>
+            <a:xfrm>
+              <a:off x="1380930" y="494523"/>
+              <a:ext cx="1567544" cy="429208"/>
+            </a:xfrm>
+            <a:prstGeom prst="rect">
+              <a:avLst/>
+            </a:prstGeom>
+            <a:noFill/>
+          </p:spPr>
+          <p:style>
+            <a:lnRef idx="2">
+              <a:schemeClr val="accent1">
+                <a:shade val="50000"/>
+              </a:schemeClr>
+            </a:lnRef>
+            <a:fillRef idx="1">
+              <a:schemeClr val="accent1"/>
+            </a:fillRef>
+            <a:effectRef idx="0">
+              <a:schemeClr val="accent1"/>
+            </a:effectRef>
+            <a:fontRef idx="minor">
+              <a:schemeClr val="lt1"/>
+            </a:fontRef>
+          </p:style>
+          <p:txBody>
+            <a:bodyPr rtlCol="0" anchor="ctr"/>
+            <a:lstStyle/>
+            <a:p>
+              <a:pPr algn="ctr"/>
+              <a:endParaRPr lang="en-US"/>
+            </a:p>
+          </p:txBody>
+        </p:sp>
+        <p:sp>
+          <p:nvSpPr>
+            <p:cNvPr id="7" name="Rectangle 6">
+              <a:extLst>
+                <a:ext uri="{FF2B5EF4-FFF2-40B4-BE49-F238E27FC236}">
+                  <a16:creationId xmlns:a16="http://schemas.microsoft.com/office/drawing/2014/main" id="{486C8B8A-1A7A-6271-35C5-88CA7814ACD5}"/>
+                </a:ext>
+              </a:extLst>
+            </p:cNvPr>
+            <p:cNvSpPr/>
+            <p:nvPr/>
+          </p:nvSpPr>
+          <p:spPr>
+            <a:xfrm>
+              <a:off x="8574831" y="494523"/>
+              <a:ext cx="1567544" cy="429208"/>
+            </a:xfrm>
+            <a:prstGeom prst="rect">
+              <a:avLst/>
+            </a:prstGeom>
+            <a:noFill/>
+          </p:spPr>
+          <p:style>
+            <a:lnRef idx="2">
+              <a:schemeClr val="accent1">
+                <a:shade val="50000"/>
+              </a:schemeClr>
+            </a:lnRef>
+            <a:fillRef idx="1">
+              <a:schemeClr val="accent1"/>
+            </a:fillRef>
+            <a:effectRef idx="0">
+              <a:schemeClr val="accent1"/>
+            </a:effectRef>
+            <a:fontRef idx="minor">
+              <a:schemeClr val="lt1"/>
+            </a:fontRef>
+          </p:style>
+          <p:txBody>
+            <a:bodyPr rtlCol="0" anchor="ctr"/>
+            <a:lstStyle/>
+            <a:p>
+              <a:pPr algn="ctr"/>
+              <a:endParaRPr lang="en-US"/>
+            </a:p>
+          </p:txBody>
+        </p:sp>
+        <p:sp>
+          <p:nvSpPr>
+            <p:cNvPr id="8" name="TextBox 7">
+              <a:extLst>
+                <a:ext uri="{FF2B5EF4-FFF2-40B4-BE49-F238E27FC236}">
+                  <a16:creationId xmlns:a16="http://schemas.microsoft.com/office/drawing/2014/main" id="{0A5A21B4-6611-0111-2058-494EA30E02A0}"/>
+                </a:ext>
+              </a:extLst>
+            </p:cNvPr>
+            <p:cNvSpPr txBox="1"/>
+            <p:nvPr/>
+          </p:nvSpPr>
+          <p:spPr>
+            <a:xfrm>
+              <a:off x="643812" y="522515"/>
+              <a:ext cx="2883159" cy="369332"/>
+            </a:xfrm>
+            <a:prstGeom prst="rect">
+              <a:avLst/>
+            </a:prstGeom>
+            <a:noFill/>
+          </p:spPr>
+          <p:txBody>
+            <a:bodyPr wrap="square" rtlCol="0">
+              <a:spAutoFit/>
+            </a:bodyPr>
+            <a:lstStyle/>
+            <a:p>
+              <a:pPr algn="ctr"/>
+              <a:r>
+                <a:rPr lang="en-US" dirty="0"/>
+                <a:t>5’ Primer</a:t>
+              </a:r>
+            </a:p>
+          </p:txBody>
+        </p:sp>
+        <p:sp>
+          <p:nvSpPr>
+            <p:cNvPr id="9" name="TextBox 8">
+              <a:extLst>
+                <a:ext uri="{FF2B5EF4-FFF2-40B4-BE49-F238E27FC236}">
+                  <a16:creationId xmlns:a16="http://schemas.microsoft.com/office/drawing/2014/main" id="{AD6C9A87-4544-745D-A462-768CD6820B41}"/>
+                </a:ext>
+              </a:extLst>
+            </p:cNvPr>
+            <p:cNvSpPr txBox="1"/>
+            <p:nvPr/>
+          </p:nvSpPr>
+          <p:spPr>
+            <a:xfrm>
+              <a:off x="7927911" y="522515"/>
+              <a:ext cx="2883159" cy="369332"/>
+            </a:xfrm>
+            <a:prstGeom prst="rect">
+              <a:avLst/>
+            </a:prstGeom>
+            <a:noFill/>
+          </p:spPr>
+          <p:txBody>
+            <a:bodyPr wrap="square" rtlCol="0">
+              <a:spAutoFit/>
+            </a:bodyPr>
+            <a:lstStyle/>
+            <a:p>
+              <a:pPr algn="ctr"/>
+              <a:r>
+                <a:rPr lang="en-US" dirty="0"/>
+                <a:t>3’ Primer</a:t>
+              </a:r>
+            </a:p>
+          </p:txBody>
+        </p:sp>
+        <p:cxnSp>
+          <p:nvCxnSpPr>
+            <p:cNvPr id="11" name="Straight Connector 10">
+              <a:extLst>
+                <a:ext uri="{FF2B5EF4-FFF2-40B4-BE49-F238E27FC236}">
+                  <a16:creationId xmlns:a16="http://schemas.microsoft.com/office/drawing/2014/main" id="{4126EF9A-7267-B9B9-C5A7-98E27DE05EC0}"/>
+                </a:ext>
+              </a:extLst>
+            </p:cNvPr>
+            <p:cNvCxnSpPr/>
+            <p:nvPr/>
+          </p:nvCxnSpPr>
+          <p:spPr>
+            <a:xfrm flipH="1">
+              <a:off x="438539" y="494523"/>
+              <a:ext cx="942391" cy="0"/>
+            </a:xfrm>
+            <a:prstGeom prst="line">
+              <a:avLst/>
+            </a:prstGeom>
+            <a:ln w="12700">
+              <a:headEnd type="none" w="med" len="med"/>
+              <a:tailEnd type="arrow" w="med" len="med"/>
+            </a:ln>
+          </p:spPr>
+          <p:style>
+            <a:lnRef idx="1">
+              <a:schemeClr val="dk1"/>
+            </a:lnRef>
+            <a:fillRef idx="0">
+              <a:schemeClr val="dk1"/>
+            </a:fillRef>
+            <a:effectRef idx="0">
+              <a:schemeClr val="dk1"/>
+            </a:effectRef>
+            <a:fontRef idx="minor">
+              <a:schemeClr val="tx1"/>
+            </a:fontRef>
+          </p:style>
+        </p:cxnSp>
+        <p:cxnSp>
+          <p:nvCxnSpPr>
+            <p:cNvPr id="12" name="Straight Connector 11">
+              <a:extLst>
+                <a:ext uri="{FF2B5EF4-FFF2-40B4-BE49-F238E27FC236}">
+                  <a16:creationId xmlns:a16="http://schemas.microsoft.com/office/drawing/2014/main" id="{4E6B0700-CE7E-81BE-8B77-B88AF7300B54}"/>
+                </a:ext>
+              </a:extLst>
+            </p:cNvPr>
+            <p:cNvCxnSpPr/>
+            <p:nvPr/>
+          </p:nvCxnSpPr>
+          <p:spPr>
+            <a:xfrm flipH="1">
+              <a:off x="438539" y="923731"/>
+              <a:ext cx="942391" cy="0"/>
+            </a:xfrm>
+            <a:prstGeom prst="line">
+              <a:avLst/>
+            </a:prstGeom>
+            <a:ln w="12700"/>
+          </p:spPr>
+          <p:style>
+            <a:lnRef idx="1">
+              <a:schemeClr val="dk1"/>
+            </a:lnRef>
+            <a:fillRef idx="0">
+              <a:schemeClr val="dk1"/>
+            </a:fillRef>
+            <a:effectRef idx="0">
+              <a:schemeClr val="dk1"/>
+            </a:effectRef>
+            <a:fontRef idx="minor">
+              <a:schemeClr val="tx1"/>
+            </a:fontRef>
+          </p:style>
+        </p:cxnSp>
+        <p:cxnSp>
+          <p:nvCxnSpPr>
+            <p:cNvPr id="17" name="Straight Connector 16">
+              <a:extLst>
+                <a:ext uri="{FF2B5EF4-FFF2-40B4-BE49-F238E27FC236}">
+                  <a16:creationId xmlns:a16="http://schemas.microsoft.com/office/drawing/2014/main" id="{83480E78-E55F-90E9-6226-FD72258CD56E}"/>
+                </a:ext>
+              </a:extLst>
+            </p:cNvPr>
+            <p:cNvCxnSpPr/>
+            <p:nvPr/>
+          </p:nvCxnSpPr>
+          <p:spPr>
+            <a:xfrm flipH="1">
+              <a:off x="10054979" y="494523"/>
+              <a:ext cx="942391" cy="0"/>
+            </a:xfrm>
+            <a:prstGeom prst="line">
+              <a:avLst/>
+            </a:prstGeom>
+            <a:ln w="12700">
+              <a:headEnd type="none"/>
+              <a:tailEnd type="none"/>
+            </a:ln>
+          </p:spPr>
+          <p:style>
+            <a:lnRef idx="1">
+              <a:schemeClr val="dk1"/>
+            </a:lnRef>
+            <a:fillRef idx="0">
+              <a:schemeClr val="dk1"/>
+            </a:fillRef>
+            <a:effectRef idx="0">
+              <a:schemeClr val="dk1"/>
+            </a:effectRef>
+            <a:fontRef idx="minor">
+              <a:schemeClr val="tx1"/>
+            </a:fontRef>
+          </p:style>
+        </p:cxnSp>
+        <p:cxnSp>
+          <p:nvCxnSpPr>
+            <p:cNvPr id="18" name="Straight Connector 17">
+              <a:extLst>
+                <a:ext uri="{FF2B5EF4-FFF2-40B4-BE49-F238E27FC236}">
+                  <a16:creationId xmlns:a16="http://schemas.microsoft.com/office/drawing/2014/main" id="{62C1B7A3-23DD-CCF7-8D62-4C94BDC8A512}"/>
+                </a:ext>
+              </a:extLst>
+            </p:cNvPr>
+            <p:cNvCxnSpPr/>
+            <p:nvPr/>
+          </p:nvCxnSpPr>
+          <p:spPr>
+            <a:xfrm flipH="1">
+              <a:off x="10054979" y="923731"/>
+              <a:ext cx="942391" cy="0"/>
+            </a:xfrm>
+            <a:prstGeom prst="line">
+              <a:avLst/>
+            </a:prstGeom>
+            <a:ln w="12700">
+              <a:headEnd type="arrow" w="med" len="med"/>
+              <a:tailEnd type="none" w="med" len="med"/>
+            </a:ln>
+          </p:spPr>
+          <p:style>
+            <a:lnRef idx="1">
+              <a:schemeClr val="dk1"/>
+            </a:lnRef>
+            <a:fillRef idx="0">
+              <a:schemeClr val="dk1"/>
+            </a:fillRef>
+            <a:effectRef idx="0">
+              <a:schemeClr val="dk1"/>
+            </a:effectRef>
+            <a:fontRef idx="minor">
+              <a:schemeClr val="tx1"/>
+            </a:fontRef>
+          </p:style>
+        </p:cxnSp>
+      </p:grpSp>
+      <p:sp>
+        <p:nvSpPr>
+          <p:cNvPr id="21" name="Rectangle 20">
+            <a:extLst>
+              <a:ext uri="{FF2B5EF4-FFF2-40B4-BE49-F238E27FC236}">
+                <a16:creationId xmlns:a16="http://schemas.microsoft.com/office/drawing/2014/main" id="{3B87ECC9-E07B-3E33-A4B0-B18344DB8A5A}"/>
+              </a:ext>
+            </a:extLst>
+          </p:cNvPr>
+          <p:cNvSpPr/>
+          <p:nvPr/>
+        </p:nvSpPr>
+        <p:spPr>
+          <a:xfrm>
+            <a:off x="1380931" y="2506203"/>
+            <a:ext cx="3820990" cy="429208"/>
+          </a:xfrm>
+          <a:custGeom>
+            <a:avLst/>
+            <a:gdLst>
+              <a:gd name="connsiteX0" fmla="*/ 0 w 3820990"/>
+              <a:gd name="connsiteY0" fmla="*/ 0 h 429208"/>
+              <a:gd name="connsiteX1" fmla="*/ 3820990 w 3820990"/>
+              <a:gd name="connsiteY1" fmla="*/ 0 h 429208"/>
+              <a:gd name="connsiteX2" fmla="*/ 3820990 w 3820990"/>
+              <a:gd name="connsiteY2" fmla="*/ 429208 h 429208"/>
+              <a:gd name="connsiteX3" fmla="*/ 0 w 3820990"/>
+              <a:gd name="connsiteY3" fmla="*/ 429208 h 429208"/>
+              <a:gd name="connsiteX4" fmla="*/ 0 w 3820990"/>
+              <a:gd name="connsiteY4" fmla="*/ 0 h 429208"/>
+              <a:gd name="connsiteX0" fmla="*/ 0 w 3983549"/>
+              <a:gd name="connsiteY0" fmla="*/ 0 h 429208"/>
+              <a:gd name="connsiteX1" fmla="*/ 3820990 w 3983549"/>
+              <a:gd name="connsiteY1" fmla="*/ 0 h 429208"/>
+              <a:gd name="connsiteX2" fmla="*/ 3983549 w 3983549"/>
+              <a:gd name="connsiteY2" fmla="*/ 218709 h 429208"/>
+              <a:gd name="connsiteX3" fmla="*/ 3820990 w 3983549"/>
+              <a:gd name="connsiteY3" fmla="*/ 429208 h 429208"/>
+              <a:gd name="connsiteX4" fmla="*/ 0 w 3983549"/>
+              <a:gd name="connsiteY4" fmla="*/ 429208 h 429208"/>
+              <a:gd name="connsiteX5" fmla="*/ 0 w 3983549"/>
+              <a:gd name="connsiteY5" fmla="*/ 0 h 429208"/>
+              <a:gd name="connsiteX0" fmla="*/ 0 w 3983549"/>
+              <a:gd name="connsiteY0" fmla="*/ 0 h 429208"/>
+              <a:gd name="connsiteX1" fmla="*/ 3820990 w 3983549"/>
+              <a:gd name="connsiteY1" fmla="*/ 0 h 429208"/>
+              <a:gd name="connsiteX2" fmla="*/ 3983549 w 3983549"/>
+              <a:gd name="connsiteY2" fmla="*/ 218709 h 429208"/>
+              <a:gd name="connsiteX3" fmla="*/ 3820990 w 3983549"/>
+              <a:gd name="connsiteY3" fmla="*/ 429208 h 429208"/>
+              <a:gd name="connsiteX4" fmla="*/ 0 w 3983549"/>
+              <a:gd name="connsiteY4" fmla="*/ 429208 h 429208"/>
+              <a:gd name="connsiteX5" fmla="*/ 0 w 3983549"/>
+              <a:gd name="connsiteY5" fmla="*/ 0 h 429208"/>
+              <a:gd name="connsiteX0" fmla="*/ 0 w 3983549"/>
+              <a:gd name="connsiteY0" fmla="*/ 0 h 429208"/>
+              <a:gd name="connsiteX1" fmla="*/ 3820990 w 3983549"/>
+              <a:gd name="connsiteY1" fmla="*/ 0 h 429208"/>
+              <a:gd name="connsiteX2" fmla="*/ 3983549 w 3983549"/>
+              <a:gd name="connsiteY2" fmla="*/ 218709 h 429208"/>
+              <a:gd name="connsiteX3" fmla="*/ 3820990 w 3983549"/>
+              <a:gd name="connsiteY3" fmla="*/ 429208 h 429208"/>
+              <a:gd name="connsiteX4" fmla="*/ 0 w 3983549"/>
+              <a:gd name="connsiteY4" fmla="*/ 429208 h 429208"/>
+              <a:gd name="connsiteX5" fmla="*/ 0 w 3983549"/>
+              <a:gd name="connsiteY5" fmla="*/ 0 h 429208"/>
+              <a:gd name="connsiteX0" fmla="*/ 0 w 3983549"/>
+              <a:gd name="connsiteY0" fmla="*/ 0 h 429208"/>
+              <a:gd name="connsiteX1" fmla="*/ 3820990 w 3983549"/>
+              <a:gd name="connsiteY1" fmla="*/ 0 h 429208"/>
+              <a:gd name="connsiteX2" fmla="*/ 3983549 w 3983549"/>
+              <a:gd name="connsiteY2" fmla="*/ 218709 h 429208"/>
+              <a:gd name="connsiteX3" fmla="*/ 3820990 w 3983549"/>
+              <a:gd name="connsiteY3" fmla="*/ 429208 h 429208"/>
+              <a:gd name="connsiteX4" fmla="*/ 0 w 3983549"/>
+              <a:gd name="connsiteY4" fmla="*/ 429208 h 429208"/>
+              <a:gd name="connsiteX5" fmla="*/ 0 w 3983549"/>
+              <a:gd name="connsiteY5" fmla="*/ 0 h 429208"/>
+              <a:gd name="connsiteX0" fmla="*/ 0 w 3830608"/>
+              <a:gd name="connsiteY0" fmla="*/ 0 h 429208"/>
+              <a:gd name="connsiteX1" fmla="*/ 3820990 w 3830608"/>
+              <a:gd name="connsiteY1" fmla="*/ 0 h 429208"/>
+              <a:gd name="connsiteX2" fmla="*/ 3648269 w 3830608"/>
+              <a:gd name="connsiteY2" fmla="*/ 241569 h 429208"/>
+              <a:gd name="connsiteX3" fmla="*/ 3820990 w 3830608"/>
+              <a:gd name="connsiteY3" fmla="*/ 429208 h 429208"/>
+              <a:gd name="connsiteX4" fmla="*/ 0 w 3830608"/>
+              <a:gd name="connsiteY4" fmla="*/ 429208 h 429208"/>
+              <a:gd name="connsiteX5" fmla="*/ 0 w 3830608"/>
+              <a:gd name="connsiteY5" fmla="*/ 0 h 429208"/>
+              <a:gd name="connsiteX0" fmla="*/ 0 w 3847466"/>
+              <a:gd name="connsiteY0" fmla="*/ 0 h 429208"/>
+              <a:gd name="connsiteX1" fmla="*/ 3820990 w 3847466"/>
+              <a:gd name="connsiteY1" fmla="*/ 0 h 429208"/>
+              <a:gd name="connsiteX2" fmla="*/ 3648269 w 3847466"/>
+              <a:gd name="connsiteY2" fmla="*/ 241569 h 429208"/>
+              <a:gd name="connsiteX3" fmla="*/ 3820990 w 3847466"/>
+              <a:gd name="connsiteY3" fmla="*/ 429208 h 429208"/>
+              <a:gd name="connsiteX4" fmla="*/ 0 w 3847466"/>
+              <a:gd name="connsiteY4" fmla="*/ 429208 h 429208"/>
+              <a:gd name="connsiteX5" fmla="*/ 0 w 3847466"/>
+              <a:gd name="connsiteY5" fmla="*/ 0 h 429208"/>
+              <a:gd name="connsiteX0" fmla="*/ 0 w 3820990"/>
+              <a:gd name="connsiteY0" fmla="*/ 0 h 429208"/>
+              <a:gd name="connsiteX1" fmla="*/ 3820990 w 3820990"/>
+              <a:gd name="connsiteY1" fmla="*/ 0 h 429208"/>
+              <a:gd name="connsiteX2" fmla="*/ 3648269 w 3820990"/>
+              <a:gd name="connsiteY2" fmla="*/ 241569 h 429208"/>
+              <a:gd name="connsiteX3" fmla="*/ 3820990 w 3820990"/>
+              <a:gd name="connsiteY3" fmla="*/ 429208 h 429208"/>
+              <a:gd name="connsiteX4" fmla="*/ 0 w 3820990"/>
+              <a:gd name="connsiteY4" fmla="*/ 429208 h 429208"/>
+              <a:gd name="connsiteX5" fmla="*/ 0 w 3820990"/>
+              <a:gd name="connsiteY5" fmla="*/ 0 h 429208"/>
+              <a:gd name="connsiteX0" fmla="*/ 0 w 3820990"/>
+              <a:gd name="connsiteY0" fmla="*/ 0 h 429208"/>
+              <a:gd name="connsiteX1" fmla="*/ 3820990 w 3820990"/>
+              <a:gd name="connsiteY1" fmla="*/ 0 h 429208"/>
+              <a:gd name="connsiteX2" fmla="*/ 3648269 w 3820990"/>
+              <a:gd name="connsiteY2" fmla="*/ 241569 h 429208"/>
+              <a:gd name="connsiteX3" fmla="*/ 3820990 w 3820990"/>
+              <a:gd name="connsiteY3" fmla="*/ 429208 h 429208"/>
+              <a:gd name="connsiteX4" fmla="*/ 0 w 3820990"/>
+              <a:gd name="connsiteY4" fmla="*/ 429208 h 429208"/>
+              <a:gd name="connsiteX5" fmla="*/ 0 w 3820990"/>
+              <a:gd name="connsiteY5" fmla="*/ 0 h 429208"/>
+              <a:gd name="connsiteX0" fmla="*/ 0 w 3820990"/>
+              <a:gd name="connsiteY0" fmla="*/ 0 h 429208"/>
+              <a:gd name="connsiteX1" fmla="*/ 3820990 w 3820990"/>
+              <a:gd name="connsiteY1" fmla="*/ 0 h 429208"/>
+              <a:gd name="connsiteX2" fmla="*/ 3648269 w 3820990"/>
+              <a:gd name="connsiteY2" fmla="*/ 241569 h 429208"/>
+              <a:gd name="connsiteX3" fmla="*/ 3820990 w 3820990"/>
+              <a:gd name="connsiteY3" fmla="*/ 429208 h 429208"/>
+              <a:gd name="connsiteX4" fmla="*/ 0 w 3820990"/>
+              <a:gd name="connsiteY4" fmla="*/ 429208 h 429208"/>
+              <a:gd name="connsiteX5" fmla="*/ 0 w 3820990"/>
+              <a:gd name="connsiteY5" fmla="*/ 0 h 429208"/>
+            </a:gdLst>
+            <a:ahLst/>
+            <a:cxnLst>
+              <a:cxn ang="0">
+                <a:pos x="connsiteX0" y="connsiteY0"/>
+              </a:cxn>
+              <a:cxn ang="0">
+                <a:pos x="connsiteX1" y="connsiteY1"/>
+              </a:cxn>
+              <a:cxn ang="0">
+                <a:pos x="connsiteX2" y="connsiteY2"/>
+              </a:cxn>
+              <a:cxn ang="0">
+                <a:pos x="connsiteX3" y="connsiteY3"/>
+              </a:cxn>
+              <a:cxn ang="0">
+                <a:pos x="connsiteX4" y="connsiteY4"/>
+              </a:cxn>
+              <a:cxn ang="0">
+                <a:pos x="connsiteX5" y="connsiteY5"/>
+              </a:cxn>
+            </a:cxnLst>
+            <a:rect l="l" t="t" r="r" b="b"/>
+            <a:pathLst>
+              <a:path w="3820990" h="429208">
+                <a:moveTo>
+                  <a:pt x="0" y="0"/>
+                </a:moveTo>
+                <a:lnTo>
+                  <a:pt x="3820990" y="0"/>
+                </a:lnTo>
+                <a:cubicBezTo>
+                  <a:pt x="3740810" y="127513"/>
+                  <a:pt x="3754357" y="114818"/>
+                  <a:pt x="3648269" y="241569"/>
+                </a:cubicBezTo>
+                <a:lnTo>
+                  <a:pt x="3820990" y="429208"/>
+                </a:lnTo>
+                <a:lnTo>
+                  <a:pt x="0" y="429208"/>
+                </a:lnTo>
+                <a:lnTo>
+                  <a:pt x="0" y="0"/>
+                </a:lnTo>
+                <a:close/>
+              </a:path>
+            </a:pathLst>
+          </a:custGeom>
+          <a:noFill/>
+        </p:spPr>
+        <p:style>
+          <a:lnRef idx="2">
+            <a:schemeClr val="accent1">
+              <a:shade val="50000"/>
+            </a:schemeClr>
+          </a:lnRef>
+          <a:fillRef idx="1">
+            <a:schemeClr val="accent1"/>
+          </a:fillRef>
+          <a:effectRef idx="0">
+            <a:schemeClr val="accent1"/>
+          </a:effectRef>
+          <a:fontRef idx="minor">
+            <a:schemeClr val="lt1"/>
+          </a:fontRef>
+        </p:style>
+        <p:txBody>
+          <a:bodyPr rtlCol="0" anchor="ctr"/>
+          <a:lstStyle/>
+          <a:p>
+            <a:pPr algn="ctr"/>
+            <a:endParaRPr lang="en-US"/>
+          </a:p>
+        </p:txBody>
+      </p:sp>
+      <p:sp>
+        <p:nvSpPr>
+          <p:cNvPr id="23" name="Rectangle 22">
+            <a:extLst>
+              <a:ext uri="{FF2B5EF4-FFF2-40B4-BE49-F238E27FC236}">
+                <a16:creationId xmlns:a16="http://schemas.microsoft.com/office/drawing/2014/main" id="{7D0D747C-F656-44E1-3160-FEAE255048CD}"/>
+              </a:ext>
+            </a:extLst>
+          </p:cNvPr>
+          <p:cNvSpPr/>
+          <p:nvPr/>
+        </p:nvSpPr>
+        <p:spPr>
+          <a:xfrm>
+            <a:off x="1380930" y="2506203"/>
+            <a:ext cx="1567544" cy="429208"/>
+          </a:xfrm>
+          <a:prstGeom prst="rect">
+            <a:avLst/>
+          </a:prstGeom>
+          <a:noFill/>
+        </p:spPr>
+        <p:style>
+          <a:lnRef idx="2">
+            <a:schemeClr val="accent1">
+              <a:shade val="50000"/>
+            </a:schemeClr>
+          </a:lnRef>
+          <a:fillRef idx="1">
+            <a:schemeClr val="accent1"/>
+          </a:fillRef>
+          <a:effectRef idx="0">
+            <a:schemeClr val="accent1"/>
+          </a:effectRef>
+          <a:fontRef idx="minor">
+            <a:schemeClr val="lt1"/>
+          </a:fontRef>
+        </p:style>
+        <p:txBody>
+          <a:bodyPr rtlCol="0" anchor="ctr"/>
+          <a:lstStyle/>
+          <a:p>
+            <a:pPr algn="ctr"/>
+            <a:endParaRPr lang="en-US"/>
+          </a:p>
+        </p:txBody>
+      </p:sp>
+      <p:sp>
+        <p:nvSpPr>
+          <p:cNvPr id="24" name="Rectangle 23">
+            <a:extLst>
+              <a:ext uri="{FF2B5EF4-FFF2-40B4-BE49-F238E27FC236}">
+                <a16:creationId xmlns:a16="http://schemas.microsoft.com/office/drawing/2014/main" id="{48A3BDE1-C9F4-606B-9C51-B27BA89663C4}"/>
+              </a:ext>
+            </a:extLst>
+          </p:cNvPr>
+          <p:cNvSpPr/>
+          <p:nvPr/>
+        </p:nvSpPr>
+        <p:spPr>
+          <a:xfrm>
+            <a:off x="8574831" y="2506203"/>
+            <a:ext cx="1567544" cy="429208"/>
+          </a:xfrm>
+          <a:prstGeom prst="rect">
+            <a:avLst/>
+          </a:prstGeom>
+          <a:noFill/>
+        </p:spPr>
+        <p:style>
+          <a:lnRef idx="2">
+            <a:schemeClr val="accent1">
+              <a:shade val="50000"/>
+            </a:schemeClr>
+          </a:lnRef>
+          <a:fillRef idx="1">
+            <a:schemeClr val="accent1"/>
+          </a:fillRef>
+          <a:effectRef idx="0">
+            <a:schemeClr val="accent1"/>
+          </a:effectRef>
+          <a:fontRef idx="minor">
+            <a:schemeClr val="lt1"/>
+          </a:fontRef>
+        </p:style>
+        <p:txBody>
+          <a:bodyPr rtlCol="0" anchor="ctr"/>
+          <a:lstStyle/>
+          <a:p>
+            <a:pPr algn="ctr"/>
+            <a:endParaRPr lang="en-US"/>
+          </a:p>
+        </p:txBody>
+      </p:sp>
+      <p:sp>
+        <p:nvSpPr>
+          <p:cNvPr id="25" name="TextBox 24">
+            <a:extLst>
+              <a:ext uri="{FF2B5EF4-FFF2-40B4-BE49-F238E27FC236}">
+                <a16:creationId xmlns:a16="http://schemas.microsoft.com/office/drawing/2014/main" id="{9314C38F-B221-8323-5C14-9816871B7630}"/>
+              </a:ext>
+            </a:extLst>
+          </p:cNvPr>
+          <p:cNvSpPr txBox="1"/>
+          <p:nvPr/>
+        </p:nvSpPr>
+        <p:spPr>
+          <a:xfrm>
+            <a:off x="643812" y="2534195"/>
+            <a:ext cx="2883159" cy="369332"/>
+          </a:xfrm>
+          <a:prstGeom prst="rect">
+            <a:avLst/>
+          </a:prstGeom>
+          <a:noFill/>
+        </p:spPr>
+        <p:txBody>
+          <a:bodyPr wrap="square" rtlCol="0">
+            <a:spAutoFit/>
+          </a:bodyPr>
+          <a:lstStyle/>
+          <a:p>
+            <a:pPr algn="ctr"/>
+            <a:r>
+              <a:rPr lang="en-US" dirty="0"/>
+              <a:t>5’ Primer</a:t>
+            </a:r>
+          </a:p>
+        </p:txBody>
+      </p:sp>
+      <p:sp>
+        <p:nvSpPr>
+          <p:cNvPr id="26" name="TextBox 25">
+            <a:extLst>
+              <a:ext uri="{FF2B5EF4-FFF2-40B4-BE49-F238E27FC236}">
+                <a16:creationId xmlns:a16="http://schemas.microsoft.com/office/drawing/2014/main" id="{B9DDE578-8105-96D4-E2E6-1DADB743155D}"/>
+              </a:ext>
+            </a:extLst>
+          </p:cNvPr>
+          <p:cNvSpPr txBox="1"/>
+          <p:nvPr/>
+        </p:nvSpPr>
+        <p:spPr>
+          <a:xfrm>
+            <a:off x="7927911" y="2534195"/>
+            <a:ext cx="2883159" cy="369332"/>
+          </a:xfrm>
+          <a:prstGeom prst="rect">
+            <a:avLst/>
+          </a:prstGeom>
+          <a:noFill/>
+        </p:spPr>
+        <p:txBody>
+          <a:bodyPr wrap="square" rtlCol="0">
+            <a:spAutoFit/>
+          </a:bodyPr>
+          <a:lstStyle/>
+          <a:p>
+            <a:pPr algn="ctr"/>
+            <a:r>
+              <a:rPr lang="en-US" dirty="0"/>
+              <a:t>3’ Primer</a:t>
+            </a:r>
+          </a:p>
+        </p:txBody>
+      </p:sp>
+      <p:cxnSp>
+        <p:nvCxnSpPr>
+          <p:cNvPr id="27" name="Straight Connector 26">
+            <a:extLst>
+              <a:ext uri="{FF2B5EF4-FFF2-40B4-BE49-F238E27FC236}">
+                <a16:creationId xmlns:a16="http://schemas.microsoft.com/office/drawing/2014/main" id="{773488C3-BE96-0137-FFF1-0CD67B2F8B3F}"/>
+              </a:ext>
+            </a:extLst>
+          </p:cNvPr>
+          <p:cNvCxnSpPr>
+            <a:cxnSpLocks/>
+          </p:cNvCxnSpPr>
+          <p:nvPr/>
+        </p:nvCxnSpPr>
+        <p:spPr>
+          <a:xfrm flipH="1">
+            <a:off x="438539" y="2506203"/>
+            <a:ext cx="942391" cy="0"/>
+          </a:xfrm>
+          <a:prstGeom prst="line">
+            <a:avLst/>
+          </a:prstGeom>
+          <a:ln w="12700">
+            <a:headEnd type="none" w="med" len="med"/>
+            <a:tailEnd type="arrow" w="med" len="med"/>
+          </a:ln>
+        </p:spPr>
+        <p:style>
+          <a:lnRef idx="1">
+            <a:schemeClr val="dk1"/>
+          </a:lnRef>
+          <a:fillRef idx="0">
+            <a:schemeClr val="dk1"/>
+          </a:fillRef>
+          <a:effectRef idx="0">
+            <a:schemeClr val="dk1"/>
+          </a:effectRef>
+          <a:fontRef idx="minor">
+            <a:schemeClr val="tx1"/>
+          </a:fontRef>
+        </p:style>
+      </p:cxnSp>
+      <p:cxnSp>
+        <p:nvCxnSpPr>
+          <p:cNvPr id="28" name="Straight Connector 27">
+            <a:extLst>
+              <a:ext uri="{FF2B5EF4-FFF2-40B4-BE49-F238E27FC236}">
+                <a16:creationId xmlns:a16="http://schemas.microsoft.com/office/drawing/2014/main" id="{0D87BB21-E5E1-60BA-51D8-7DD07A4CB4C8}"/>
+              </a:ext>
+            </a:extLst>
+          </p:cNvPr>
+          <p:cNvCxnSpPr>
+            <a:cxnSpLocks/>
+          </p:cNvCxnSpPr>
+          <p:nvPr/>
+        </p:nvCxnSpPr>
+        <p:spPr>
+          <a:xfrm flipH="1">
+            <a:off x="438539" y="2935411"/>
+            <a:ext cx="942391" cy="0"/>
+          </a:xfrm>
+          <a:prstGeom prst="line">
+            <a:avLst/>
+          </a:prstGeom>
+          <a:ln w="12700"/>
+        </p:spPr>
+        <p:style>
+          <a:lnRef idx="1">
+            <a:schemeClr val="dk1"/>
+          </a:lnRef>
+          <a:fillRef idx="0">
+            <a:schemeClr val="dk1"/>
+          </a:fillRef>
+          <a:effectRef idx="0">
+            <a:schemeClr val="dk1"/>
+          </a:effectRef>
+          <a:fontRef idx="minor">
+            <a:schemeClr val="tx1"/>
+          </a:fontRef>
+        </p:style>
+      </p:cxnSp>
+      <p:cxnSp>
+        <p:nvCxnSpPr>
+          <p:cNvPr id="29" name="Straight Connector 28">
+            <a:extLst>
+              <a:ext uri="{FF2B5EF4-FFF2-40B4-BE49-F238E27FC236}">
+                <a16:creationId xmlns:a16="http://schemas.microsoft.com/office/drawing/2014/main" id="{9B611E2F-7C8E-5338-34B3-A5B0D7E8740B}"/>
+              </a:ext>
+            </a:extLst>
+          </p:cNvPr>
+          <p:cNvCxnSpPr>
+            <a:cxnSpLocks/>
+          </p:cNvCxnSpPr>
+          <p:nvPr/>
+        </p:nvCxnSpPr>
+        <p:spPr>
+          <a:xfrm flipH="1">
+            <a:off x="10054979" y="2506203"/>
+            <a:ext cx="942391" cy="0"/>
+          </a:xfrm>
+          <a:prstGeom prst="line">
+            <a:avLst/>
+          </a:prstGeom>
+          <a:ln w="12700">
+            <a:headEnd type="none"/>
+            <a:tailEnd type="none"/>
+          </a:ln>
+        </p:spPr>
+        <p:style>
+          <a:lnRef idx="1">
+            <a:schemeClr val="dk1"/>
+          </a:lnRef>
+          <a:fillRef idx="0">
+            <a:schemeClr val="dk1"/>
+          </a:fillRef>
+          <a:effectRef idx="0">
+            <a:schemeClr val="dk1"/>
+          </a:effectRef>
+          <a:fontRef idx="minor">
+            <a:schemeClr val="tx1"/>
+          </a:fontRef>
+        </p:style>
+      </p:cxnSp>
+      <p:cxnSp>
+        <p:nvCxnSpPr>
+          <p:cNvPr id="30" name="Straight Connector 29">
+            <a:extLst>
+              <a:ext uri="{FF2B5EF4-FFF2-40B4-BE49-F238E27FC236}">
+                <a16:creationId xmlns:a16="http://schemas.microsoft.com/office/drawing/2014/main" id="{18775B8A-82FB-BFB3-0BCD-2E07B910F8DE}"/>
+              </a:ext>
+            </a:extLst>
+          </p:cNvPr>
+          <p:cNvCxnSpPr>
+            <a:cxnSpLocks/>
+          </p:cNvCxnSpPr>
+          <p:nvPr/>
+        </p:nvCxnSpPr>
+        <p:spPr>
+          <a:xfrm flipH="1">
+            <a:off x="10054979" y="2935411"/>
+            <a:ext cx="942391" cy="0"/>
+          </a:xfrm>
+          <a:prstGeom prst="line">
+            <a:avLst/>
+          </a:prstGeom>
+          <a:ln w="12700">
+            <a:headEnd type="arrow" w="med" len="med"/>
+            <a:tailEnd type="none" w="med" len="med"/>
+          </a:ln>
+        </p:spPr>
+        <p:style>
+          <a:lnRef idx="1">
+            <a:schemeClr val="dk1"/>
+          </a:lnRef>
+          <a:fillRef idx="0">
+            <a:schemeClr val="dk1"/>
+          </a:fillRef>
+          <a:effectRef idx="0">
+            <a:schemeClr val="dk1"/>
+          </a:effectRef>
+          <a:fontRef idx="minor">
+            <a:schemeClr val="tx1"/>
+          </a:fontRef>
+        </p:style>
+      </p:cxnSp>
+      <p:sp>
+        <p:nvSpPr>
+          <p:cNvPr id="37" name="Rectangle 36">
+            <a:extLst>
+              <a:ext uri="{FF2B5EF4-FFF2-40B4-BE49-F238E27FC236}">
+                <a16:creationId xmlns:a16="http://schemas.microsoft.com/office/drawing/2014/main" id="{EF007068-A037-9EF7-519A-194F6E5587A7}"/>
+              </a:ext>
+            </a:extLst>
+          </p:cNvPr>
+          <p:cNvSpPr/>
+          <p:nvPr/>
+        </p:nvSpPr>
+        <p:spPr>
+          <a:xfrm>
+            <a:off x="6321385" y="2506203"/>
+            <a:ext cx="3820990" cy="429208"/>
+          </a:xfrm>
+          <a:custGeom>
+            <a:avLst/>
+            <a:gdLst>
+              <a:gd name="connsiteX0" fmla="*/ 0 w 3820990"/>
+              <a:gd name="connsiteY0" fmla="*/ 0 h 429208"/>
+              <a:gd name="connsiteX1" fmla="*/ 3820990 w 3820990"/>
+              <a:gd name="connsiteY1" fmla="*/ 0 h 429208"/>
+              <a:gd name="connsiteX2" fmla="*/ 3820990 w 3820990"/>
+              <a:gd name="connsiteY2" fmla="*/ 429208 h 429208"/>
+              <a:gd name="connsiteX3" fmla="*/ 0 w 3820990"/>
+              <a:gd name="connsiteY3" fmla="*/ 429208 h 429208"/>
+              <a:gd name="connsiteX4" fmla="*/ 0 w 3820990"/>
+              <a:gd name="connsiteY4" fmla="*/ 0 h 429208"/>
+              <a:gd name="connsiteX0" fmla="*/ 9 w 3820999"/>
+              <a:gd name="connsiteY0" fmla="*/ 0 h 429208"/>
+              <a:gd name="connsiteX1" fmla="*/ 3820999 w 3820999"/>
+              <a:gd name="connsiteY1" fmla="*/ 0 h 429208"/>
+              <a:gd name="connsiteX2" fmla="*/ 3820999 w 3820999"/>
+              <a:gd name="connsiteY2" fmla="*/ 429208 h 429208"/>
+              <a:gd name="connsiteX3" fmla="*/ 9 w 3820999"/>
+              <a:gd name="connsiteY3" fmla="*/ 429208 h 429208"/>
+              <a:gd name="connsiteX4" fmla="*/ 174674 w 3820999"/>
+              <a:gd name="connsiteY4" fmla="*/ 214137 h 429208"/>
+              <a:gd name="connsiteX5" fmla="*/ 9 w 3820999"/>
+              <a:gd name="connsiteY5" fmla="*/ 0 h 429208"/>
+              <a:gd name="connsiteX0" fmla="*/ 15 w 3821005"/>
+              <a:gd name="connsiteY0" fmla="*/ 0 h 429208"/>
+              <a:gd name="connsiteX1" fmla="*/ 3821005 w 3821005"/>
+              <a:gd name="connsiteY1" fmla="*/ 0 h 429208"/>
+              <a:gd name="connsiteX2" fmla="*/ 3821005 w 3821005"/>
+              <a:gd name="connsiteY2" fmla="*/ 429208 h 429208"/>
+              <a:gd name="connsiteX3" fmla="*/ 15 w 3821005"/>
+              <a:gd name="connsiteY3" fmla="*/ 429208 h 429208"/>
+              <a:gd name="connsiteX4" fmla="*/ 174680 w 3821005"/>
+              <a:gd name="connsiteY4" fmla="*/ 214137 h 429208"/>
+              <a:gd name="connsiteX5" fmla="*/ 15 w 3821005"/>
+              <a:gd name="connsiteY5" fmla="*/ 0 h 429208"/>
+              <a:gd name="connsiteX0" fmla="*/ 15 w 3821005"/>
+              <a:gd name="connsiteY0" fmla="*/ 0 h 429208"/>
+              <a:gd name="connsiteX1" fmla="*/ 3821005 w 3821005"/>
+              <a:gd name="connsiteY1" fmla="*/ 0 h 429208"/>
+              <a:gd name="connsiteX2" fmla="*/ 3821005 w 3821005"/>
+              <a:gd name="connsiteY2" fmla="*/ 429208 h 429208"/>
+              <a:gd name="connsiteX3" fmla="*/ 15 w 3821005"/>
+              <a:gd name="connsiteY3" fmla="*/ 429208 h 429208"/>
+              <a:gd name="connsiteX4" fmla="*/ 174680 w 3821005"/>
+              <a:gd name="connsiteY4" fmla="*/ 214137 h 429208"/>
+              <a:gd name="connsiteX5" fmla="*/ 15 w 3821005"/>
+              <a:gd name="connsiteY5" fmla="*/ 0 h 429208"/>
+              <a:gd name="connsiteX0" fmla="*/ 0 w 3820990"/>
+              <a:gd name="connsiteY0" fmla="*/ 0 h 429208"/>
+              <a:gd name="connsiteX1" fmla="*/ 3820990 w 3820990"/>
+              <a:gd name="connsiteY1" fmla="*/ 0 h 429208"/>
+              <a:gd name="connsiteX2" fmla="*/ 3820990 w 3820990"/>
+              <a:gd name="connsiteY2" fmla="*/ 429208 h 429208"/>
+              <a:gd name="connsiteX3" fmla="*/ 0 w 3820990"/>
+              <a:gd name="connsiteY3" fmla="*/ 429208 h 429208"/>
+              <a:gd name="connsiteX4" fmla="*/ 174665 w 3820990"/>
+              <a:gd name="connsiteY4" fmla="*/ 214137 h 429208"/>
+              <a:gd name="connsiteX5" fmla="*/ 0 w 3820990"/>
+              <a:gd name="connsiteY5" fmla="*/ 0 h 429208"/>
+              <a:gd name="connsiteX0" fmla="*/ 0 w 3820990"/>
+              <a:gd name="connsiteY0" fmla="*/ 0 h 429208"/>
+              <a:gd name="connsiteX1" fmla="*/ 3820990 w 3820990"/>
+              <a:gd name="connsiteY1" fmla="*/ 0 h 429208"/>
+              <a:gd name="connsiteX2" fmla="*/ 3820990 w 3820990"/>
+              <a:gd name="connsiteY2" fmla="*/ 429208 h 429208"/>
+              <a:gd name="connsiteX3" fmla="*/ 0 w 3820990"/>
+              <a:gd name="connsiteY3" fmla="*/ 429208 h 429208"/>
+              <a:gd name="connsiteX4" fmla="*/ 174665 w 3820990"/>
+              <a:gd name="connsiteY4" fmla="*/ 214137 h 429208"/>
+              <a:gd name="connsiteX5" fmla="*/ 0 w 3820990"/>
+              <a:gd name="connsiteY5" fmla="*/ 0 h 429208"/>
+              <a:gd name="connsiteX0" fmla="*/ 0 w 3820990"/>
+              <a:gd name="connsiteY0" fmla="*/ 0 h 429208"/>
+              <a:gd name="connsiteX1" fmla="*/ 3820990 w 3820990"/>
+              <a:gd name="connsiteY1" fmla="*/ 0 h 429208"/>
+              <a:gd name="connsiteX2" fmla="*/ 3820990 w 3820990"/>
+              <a:gd name="connsiteY2" fmla="*/ 429208 h 429208"/>
+              <a:gd name="connsiteX3" fmla="*/ 0 w 3820990"/>
+              <a:gd name="connsiteY3" fmla="*/ 429208 h 429208"/>
+              <a:gd name="connsiteX4" fmla="*/ 174665 w 3820990"/>
+              <a:gd name="connsiteY4" fmla="*/ 214137 h 429208"/>
+              <a:gd name="connsiteX5" fmla="*/ 0 w 3820990"/>
+              <a:gd name="connsiteY5" fmla="*/ 0 h 429208"/>
+              <a:gd name="connsiteX0" fmla="*/ 0 w 3820990"/>
+              <a:gd name="connsiteY0" fmla="*/ 0 h 429208"/>
+              <a:gd name="connsiteX1" fmla="*/ 3820990 w 3820990"/>
+              <a:gd name="connsiteY1" fmla="*/ 0 h 429208"/>
+              <a:gd name="connsiteX2" fmla="*/ 3820990 w 3820990"/>
+              <a:gd name="connsiteY2" fmla="*/ 429208 h 429208"/>
+              <a:gd name="connsiteX3" fmla="*/ 0 w 3820990"/>
+              <a:gd name="connsiteY3" fmla="*/ 429208 h 429208"/>
+              <a:gd name="connsiteX4" fmla="*/ 174665 w 3820990"/>
+              <a:gd name="connsiteY4" fmla="*/ 214137 h 429208"/>
+              <a:gd name="connsiteX5" fmla="*/ 0 w 3820990"/>
+              <a:gd name="connsiteY5" fmla="*/ 0 h 429208"/>
+            </a:gdLst>
+            <a:ahLst/>
+            <a:cxnLst>
+              <a:cxn ang="0">
+                <a:pos x="connsiteX0" y="connsiteY0"/>
+              </a:cxn>
+              <a:cxn ang="0">
+                <a:pos x="connsiteX1" y="connsiteY1"/>
+              </a:cxn>
+              <a:cxn ang="0">
+                <a:pos x="connsiteX2" y="connsiteY2"/>
+              </a:cxn>
+              <a:cxn ang="0">
+                <a:pos x="connsiteX3" y="connsiteY3"/>
+              </a:cxn>
+              <a:cxn ang="0">
+                <a:pos x="connsiteX4" y="connsiteY4"/>
+              </a:cxn>
+              <a:cxn ang="0">
+                <a:pos x="connsiteX5" y="connsiteY5"/>
+              </a:cxn>
+            </a:cxnLst>
+            <a:rect l="l" t="t" r="r" b="b"/>
+            <a:pathLst>
+              <a:path w="3820990" h="429208">
+                <a:moveTo>
+                  <a:pt x="0" y="0"/>
+                </a:moveTo>
+                <a:lnTo>
+                  <a:pt x="3820990" y="0"/>
+                </a:lnTo>
+                <a:lnTo>
+                  <a:pt x="3820990" y="429208"/>
+                </a:lnTo>
+                <a:lnTo>
+                  <a:pt x="0" y="429208"/>
+                </a:lnTo>
+                <a:cubicBezTo>
+                  <a:pt x="80447" y="325768"/>
+                  <a:pt x="103743" y="309957"/>
+                  <a:pt x="174665" y="214137"/>
+                </a:cubicBezTo>
+                <a:cubicBezTo>
+                  <a:pt x="99298" y="131328"/>
+                  <a:pt x="58222" y="71379"/>
+                  <a:pt x="0" y="0"/>
+                </a:cubicBezTo>
+                <a:close/>
+              </a:path>
+            </a:pathLst>
+          </a:custGeom>
+          <a:noFill/>
+        </p:spPr>
+        <p:style>
+          <a:lnRef idx="2">
+            <a:schemeClr val="accent1">
+              <a:shade val="50000"/>
+            </a:schemeClr>
+          </a:lnRef>
+          <a:fillRef idx="1">
+            <a:schemeClr val="accent1"/>
+          </a:fillRef>
+          <a:effectRef idx="0">
+            <a:schemeClr val="accent1"/>
+          </a:effectRef>
+          <a:fontRef idx="minor">
+            <a:schemeClr val="lt1"/>
+          </a:fontRef>
+        </p:style>
+        <p:txBody>
+          <a:bodyPr rtlCol="0" anchor="ctr"/>
+          <a:lstStyle/>
+          <a:p>
+            <a:pPr algn="ctr"/>
+            <a:endParaRPr lang="en-US"/>
+          </a:p>
+        </p:txBody>
+      </p:sp>
+      <p:sp>
+        <p:nvSpPr>
+          <p:cNvPr id="38" name="TextBox 37">
+            <a:extLst>
+              <a:ext uri="{FF2B5EF4-FFF2-40B4-BE49-F238E27FC236}">
+                <a16:creationId xmlns:a16="http://schemas.microsoft.com/office/drawing/2014/main" id="{F73C7170-777C-115E-A9D5-7E80AC331C0D}"/>
+              </a:ext>
+            </a:extLst>
+          </p:cNvPr>
+          <p:cNvSpPr txBox="1"/>
+          <p:nvPr/>
+        </p:nvSpPr>
+        <p:spPr>
+          <a:xfrm>
+            <a:off x="4567235" y="1981200"/>
+            <a:ext cx="2388834" cy="369332"/>
+          </a:xfrm>
+          <a:prstGeom prst="rect">
+            <a:avLst/>
+          </a:prstGeom>
+          <a:noFill/>
+        </p:spPr>
+        <p:txBody>
+          <a:bodyPr wrap="square" rtlCol="0">
+            <a:spAutoFit/>
+          </a:bodyPr>
+          <a:lstStyle/>
+          <a:p>
+            <a:pPr algn="ctr"/>
+            <a:r>
+              <a:rPr lang="en-US" dirty="0"/>
+              <a:t>DSB occurs</a:t>
+            </a:r>
+          </a:p>
+        </p:txBody>
+      </p:sp>
+      <p:sp>
+        <p:nvSpPr>
+          <p:cNvPr id="41" name="Rectangle 20">
+            <a:extLst>
+              <a:ext uri="{FF2B5EF4-FFF2-40B4-BE49-F238E27FC236}">
+                <a16:creationId xmlns:a16="http://schemas.microsoft.com/office/drawing/2014/main" id="{C7DDF8F4-A51B-2273-0881-7F7FA458E862}"/>
+              </a:ext>
+            </a:extLst>
+          </p:cNvPr>
+          <p:cNvSpPr/>
+          <p:nvPr/>
+        </p:nvSpPr>
+        <p:spPr>
+          <a:xfrm>
+            <a:off x="1380931" y="4416026"/>
+            <a:ext cx="3820990" cy="429208"/>
+          </a:xfrm>
+          <a:custGeom>
+            <a:avLst/>
+            <a:gdLst>
+              <a:gd name="connsiteX0" fmla="*/ 0 w 3820990"/>
+              <a:gd name="connsiteY0" fmla="*/ 0 h 429208"/>
+              <a:gd name="connsiteX1" fmla="*/ 3820990 w 3820990"/>
+              <a:gd name="connsiteY1" fmla="*/ 0 h 429208"/>
+              <a:gd name="connsiteX2" fmla="*/ 3820990 w 3820990"/>
+              <a:gd name="connsiteY2" fmla="*/ 429208 h 429208"/>
+              <a:gd name="connsiteX3" fmla="*/ 0 w 3820990"/>
+              <a:gd name="connsiteY3" fmla="*/ 429208 h 429208"/>
+              <a:gd name="connsiteX4" fmla="*/ 0 w 3820990"/>
+              <a:gd name="connsiteY4" fmla="*/ 0 h 429208"/>
+              <a:gd name="connsiteX0" fmla="*/ 0 w 3983549"/>
+              <a:gd name="connsiteY0" fmla="*/ 0 h 429208"/>
+              <a:gd name="connsiteX1" fmla="*/ 3820990 w 3983549"/>
+              <a:gd name="connsiteY1" fmla="*/ 0 h 429208"/>
+              <a:gd name="connsiteX2" fmla="*/ 3983549 w 3983549"/>
+              <a:gd name="connsiteY2" fmla="*/ 218709 h 429208"/>
+              <a:gd name="connsiteX3" fmla="*/ 3820990 w 3983549"/>
+              <a:gd name="connsiteY3" fmla="*/ 429208 h 429208"/>
+              <a:gd name="connsiteX4" fmla="*/ 0 w 3983549"/>
+              <a:gd name="connsiteY4" fmla="*/ 429208 h 429208"/>
+              <a:gd name="connsiteX5" fmla="*/ 0 w 3983549"/>
+              <a:gd name="connsiteY5" fmla="*/ 0 h 429208"/>
+              <a:gd name="connsiteX0" fmla="*/ 0 w 3983549"/>
+              <a:gd name="connsiteY0" fmla="*/ 0 h 429208"/>
+              <a:gd name="connsiteX1" fmla="*/ 3820990 w 3983549"/>
+              <a:gd name="connsiteY1" fmla="*/ 0 h 429208"/>
+              <a:gd name="connsiteX2" fmla="*/ 3983549 w 3983549"/>
+              <a:gd name="connsiteY2" fmla="*/ 218709 h 429208"/>
+              <a:gd name="connsiteX3" fmla="*/ 3820990 w 3983549"/>
+              <a:gd name="connsiteY3" fmla="*/ 429208 h 429208"/>
+              <a:gd name="connsiteX4" fmla="*/ 0 w 3983549"/>
+              <a:gd name="connsiteY4" fmla="*/ 429208 h 429208"/>
+              <a:gd name="connsiteX5" fmla="*/ 0 w 3983549"/>
+              <a:gd name="connsiteY5" fmla="*/ 0 h 429208"/>
+              <a:gd name="connsiteX0" fmla="*/ 0 w 3983549"/>
+              <a:gd name="connsiteY0" fmla="*/ 0 h 429208"/>
+              <a:gd name="connsiteX1" fmla="*/ 3820990 w 3983549"/>
+              <a:gd name="connsiteY1" fmla="*/ 0 h 429208"/>
+              <a:gd name="connsiteX2" fmla="*/ 3983549 w 3983549"/>
+              <a:gd name="connsiteY2" fmla="*/ 218709 h 429208"/>
+              <a:gd name="connsiteX3" fmla="*/ 3820990 w 3983549"/>
+              <a:gd name="connsiteY3" fmla="*/ 429208 h 429208"/>
+              <a:gd name="connsiteX4" fmla="*/ 0 w 3983549"/>
+              <a:gd name="connsiteY4" fmla="*/ 429208 h 429208"/>
+              <a:gd name="connsiteX5" fmla="*/ 0 w 3983549"/>
+              <a:gd name="connsiteY5" fmla="*/ 0 h 429208"/>
+              <a:gd name="connsiteX0" fmla="*/ 0 w 3983549"/>
+              <a:gd name="connsiteY0" fmla="*/ 0 h 429208"/>
+              <a:gd name="connsiteX1" fmla="*/ 3820990 w 3983549"/>
+              <a:gd name="connsiteY1" fmla="*/ 0 h 429208"/>
+              <a:gd name="connsiteX2" fmla="*/ 3983549 w 3983549"/>
+              <a:gd name="connsiteY2" fmla="*/ 218709 h 429208"/>
+              <a:gd name="connsiteX3" fmla="*/ 3820990 w 3983549"/>
+              <a:gd name="connsiteY3" fmla="*/ 429208 h 429208"/>
+              <a:gd name="connsiteX4" fmla="*/ 0 w 3983549"/>
+              <a:gd name="connsiteY4" fmla="*/ 429208 h 429208"/>
+              <a:gd name="connsiteX5" fmla="*/ 0 w 3983549"/>
+              <a:gd name="connsiteY5" fmla="*/ 0 h 429208"/>
+              <a:gd name="connsiteX0" fmla="*/ 0 w 3832558"/>
+              <a:gd name="connsiteY0" fmla="*/ 0 h 429208"/>
+              <a:gd name="connsiteX1" fmla="*/ 3820990 w 3832558"/>
+              <a:gd name="connsiteY1" fmla="*/ 0 h 429208"/>
+              <a:gd name="connsiteX2" fmla="*/ 3709229 w 3832558"/>
+              <a:gd name="connsiteY2" fmla="*/ 212613 h 429208"/>
+              <a:gd name="connsiteX3" fmla="*/ 3820990 w 3832558"/>
+              <a:gd name="connsiteY3" fmla="*/ 429208 h 429208"/>
+              <a:gd name="connsiteX4" fmla="*/ 0 w 3832558"/>
+              <a:gd name="connsiteY4" fmla="*/ 429208 h 429208"/>
+              <a:gd name="connsiteX5" fmla="*/ 0 w 3832558"/>
+              <a:gd name="connsiteY5" fmla="*/ 0 h 429208"/>
+              <a:gd name="connsiteX0" fmla="*/ 0 w 3831119"/>
+              <a:gd name="connsiteY0" fmla="*/ 0 h 429208"/>
+              <a:gd name="connsiteX1" fmla="*/ 3820990 w 3831119"/>
+              <a:gd name="connsiteY1" fmla="*/ 0 h 429208"/>
+              <a:gd name="connsiteX2" fmla="*/ 3666557 w 3831119"/>
+              <a:gd name="connsiteY2" fmla="*/ 212613 h 429208"/>
+              <a:gd name="connsiteX3" fmla="*/ 3820990 w 3831119"/>
+              <a:gd name="connsiteY3" fmla="*/ 429208 h 429208"/>
+              <a:gd name="connsiteX4" fmla="*/ 0 w 3831119"/>
+              <a:gd name="connsiteY4" fmla="*/ 429208 h 429208"/>
+              <a:gd name="connsiteX5" fmla="*/ 0 w 3831119"/>
+              <a:gd name="connsiteY5" fmla="*/ 0 h 429208"/>
+              <a:gd name="connsiteX0" fmla="*/ 0 w 3840290"/>
+              <a:gd name="connsiteY0" fmla="*/ 0 h 429208"/>
+              <a:gd name="connsiteX1" fmla="*/ 3820990 w 3840290"/>
+              <a:gd name="connsiteY1" fmla="*/ 0 h 429208"/>
+              <a:gd name="connsiteX2" fmla="*/ 3666557 w 3840290"/>
+              <a:gd name="connsiteY2" fmla="*/ 212613 h 429208"/>
+              <a:gd name="connsiteX3" fmla="*/ 3820990 w 3840290"/>
+              <a:gd name="connsiteY3" fmla="*/ 429208 h 429208"/>
+              <a:gd name="connsiteX4" fmla="*/ 0 w 3840290"/>
+              <a:gd name="connsiteY4" fmla="*/ 429208 h 429208"/>
+              <a:gd name="connsiteX5" fmla="*/ 0 w 3840290"/>
+              <a:gd name="connsiteY5" fmla="*/ 0 h 429208"/>
+              <a:gd name="connsiteX0" fmla="*/ 0 w 3820990"/>
+              <a:gd name="connsiteY0" fmla="*/ 0 h 429208"/>
+              <a:gd name="connsiteX1" fmla="*/ 3820990 w 3820990"/>
+              <a:gd name="connsiteY1" fmla="*/ 0 h 429208"/>
+              <a:gd name="connsiteX2" fmla="*/ 3666557 w 3820990"/>
+              <a:gd name="connsiteY2" fmla="*/ 212613 h 429208"/>
+              <a:gd name="connsiteX3" fmla="*/ 3820990 w 3820990"/>
+              <a:gd name="connsiteY3" fmla="*/ 429208 h 429208"/>
+              <a:gd name="connsiteX4" fmla="*/ 0 w 3820990"/>
+              <a:gd name="connsiteY4" fmla="*/ 429208 h 429208"/>
+              <a:gd name="connsiteX5" fmla="*/ 0 w 3820990"/>
+              <a:gd name="connsiteY5" fmla="*/ 0 h 429208"/>
+              <a:gd name="connsiteX0" fmla="*/ 0 w 3820990"/>
+              <a:gd name="connsiteY0" fmla="*/ 0 h 429208"/>
+              <a:gd name="connsiteX1" fmla="*/ 3820990 w 3820990"/>
+              <a:gd name="connsiteY1" fmla="*/ 0 h 429208"/>
+              <a:gd name="connsiteX2" fmla="*/ 3666557 w 3820990"/>
+              <a:gd name="connsiteY2" fmla="*/ 212613 h 429208"/>
+              <a:gd name="connsiteX3" fmla="*/ 3820990 w 3820990"/>
+              <a:gd name="connsiteY3" fmla="*/ 429208 h 429208"/>
+              <a:gd name="connsiteX4" fmla="*/ 0 w 3820990"/>
+              <a:gd name="connsiteY4" fmla="*/ 429208 h 429208"/>
+              <a:gd name="connsiteX5" fmla="*/ 0 w 3820990"/>
+              <a:gd name="connsiteY5" fmla="*/ 0 h 429208"/>
+            </a:gdLst>
+            <a:ahLst/>
+            <a:cxnLst>
+              <a:cxn ang="0">
+                <a:pos x="connsiteX0" y="connsiteY0"/>
+              </a:cxn>
+              <a:cxn ang="0">
+                <a:pos x="connsiteX1" y="connsiteY1"/>
+              </a:cxn>
+              <a:cxn ang="0">
+                <a:pos x="connsiteX2" y="connsiteY2"/>
+              </a:cxn>
+              <a:cxn ang="0">
+                <a:pos x="connsiteX3" y="connsiteY3"/>
+              </a:cxn>
+              <a:cxn ang="0">
+                <a:pos x="connsiteX4" y="connsiteY4"/>
+              </a:cxn>
+              <a:cxn ang="0">
+                <a:pos x="connsiteX5" y="connsiteY5"/>
+              </a:cxn>
+            </a:cxnLst>
+            <a:rect l="l" t="t" r="r" b="b"/>
+            <a:pathLst>
+              <a:path w="3820990" h="429208">
+                <a:moveTo>
+                  <a:pt x="0" y="0"/>
+                </a:moveTo>
+                <a:lnTo>
+                  <a:pt x="3820990" y="0"/>
+                </a:lnTo>
+                <a:cubicBezTo>
+                  <a:pt x="3752240" y="97033"/>
+                  <a:pt x="3761215" y="97292"/>
+                  <a:pt x="3666557" y="212613"/>
+                </a:cubicBezTo>
+                <a:lnTo>
+                  <a:pt x="3820990" y="429208"/>
+                </a:lnTo>
+                <a:lnTo>
+                  <a:pt x="0" y="429208"/>
+                </a:lnTo>
+                <a:lnTo>
+                  <a:pt x="0" y="0"/>
+                </a:lnTo>
+                <a:close/>
+              </a:path>
+            </a:pathLst>
+          </a:custGeom>
+          <a:noFill/>
+        </p:spPr>
+        <p:style>
+          <a:lnRef idx="2">
+            <a:schemeClr val="accent1">
+              <a:shade val="50000"/>
+            </a:schemeClr>
+          </a:lnRef>
+          <a:fillRef idx="1">
+            <a:schemeClr val="accent1"/>
+          </a:fillRef>
+          <a:effectRef idx="0">
+            <a:schemeClr val="accent1"/>
+          </a:effectRef>
+          <a:fontRef idx="minor">
+            <a:schemeClr val="lt1"/>
+          </a:fontRef>
+        </p:style>
+        <p:txBody>
+          <a:bodyPr rtlCol="0" anchor="ctr"/>
+          <a:lstStyle/>
+          <a:p>
+            <a:pPr algn="ctr"/>
+            <a:endParaRPr lang="en-US"/>
+          </a:p>
+        </p:txBody>
+      </p:sp>
+      <p:sp>
+        <p:nvSpPr>
+          <p:cNvPr id="42" name="Rectangle 41">
+            <a:extLst>
+              <a:ext uri="{FF2B5EF4-FFF2-40B4-BE49-F238E27FC236}">
+                <a16:creationId xmlns:a16="http://schemas.microsoft.com/office/drawing/2014/main" id="{4EC7D8FF-7CBD-9665-D192-7914DC8F4539}"/>
+              </a:ext>
+            </a:extLst>
+          </p:cNvPr>
+          <p:cNvSpPr/>
+          <p:nvPr/>
+        </p:nvSpPr>
+        <p:spPr>
+          <a:xfrm>
+            <a:off x="1380930" y="4416026"/>
+            <a:ext cx="1567544" cy="429208"/>
+          </a:xfrm>
+          <a:prstGeom prst="rect">
+            <a:avLst/>
+          </a:prstGeom>
+          <a:noFill/>
+        </p:spPr>
+        <p:style>
+          <a:lnRef idx="2">
+            <a:schemeClr val="accent1">
+              <a:shade val="50000"/>
+            </a:schemeClr>
+          </a:lnRef>
+          <a:fillRef idx="1">
+            <a:schemeClr val="accent1"/>
+          </a:fillRef>
+          <a:effectRef idx="0">
+            <a:schemeClr val="accent1"/>
+          </a:effectRef>
+          <a:fontRef idx="minor">
+            <a:schemeClr val="lt1"/>
+          </a:fontRef>
+        </p:style>
+        <p:txBody>
+          <a:bodyPr rtlCol="0" anchor="ctr"/>
+          <a:lstStyle/>
+          <a:p>
+            <a:pPr algn="ctr"/>
+            <a:endParaRPr lang="en-US"/>
+          </a:p>
+        </p:txBody>
+      </p:sp>
+      <p:sp>
+        <p:nvSpPr>
+          <p:cNvPr id="43" name="Rectangle 42">
+            <a:extLst>
+              <a:ext uri="{FF2B5EF4-FFF2-40B4-BE49-F238E27FC236}">
+                <a16:creationId xmlns:a16="http://schemas.microsoft.com/office/drawing/2014/main" id="{A2361265-DA99-A75D-DCBB-697576E8CAD2}"/>
+              </a:ext>
+            </a:extLst>
+          </p:cNvPr>
+          <p:cNvSpPr/>
+          <p:nvPr/>
+        </p:nvSpPr>
+        <p:spPr>
+          <a:xfrm>
+            <a:off x="8574831" y="4416026"/>
+            <a:ext cx="1567544" cy="429208"/>
+          </a:xfrm>
+          <a:prstGeom prst="rect">
+            <a:avLst/>
+          </a:prstGeom>
+          <a:noFill/>
+        </p:spPr>
+        <p:style>
+          <a:lnRef idx="2">
+            <a:schemeClr val="accent1">
+              <a:shade val="50000"/>
+            </a:schemeClr>
+          </a:lnRef>
+          <a:fillRef idx="1">
+            <a:schemeClr val="accent1"/>
+          </a:fillRef>
+          <a:effectRef idx="0">
+            <a:schemeClr val="accent1"/>
+          </a:effectRef>
+          <a:fontRef idx="minor">
+            <a:schemeClr val="lt1"/>
+          </a:fontRef>
+        </p:style>
+        <p:txBody>
+          <a:bodyPr rtlCol="0" anchor="ctr"/>
+          <a:lstStyle/>
+          <a:p>
+            <a:pPr algn="ctr"/>
+            <a:endParaRPr lang="en-US"/>
+          </a:p>
+        </p:txBody>
+      </p:sp>
+      <p:sp>
+        <p:nvSpPr>
+          <p:cNvPr id="44" name="TextBox 43">
+            <a:extLst>
+              <a:ext uri="{FF2B5EF4-FFF2-40B4-BE49-F238E27FC236}">
+                <a16:creationId xmlns:a16="http://schemas.microsoft.com/office/drawing/2014/main" id="{7DCAF566-5CFE-5F0F-A4DA-85B40BC623A1}"/>
+              </a:ext>
+            </a:extLst>
+          </p:cNvPr>
+          <p:cNvSpPr txBox="1"/>
+          <p:nvPr/>
+        </p:nvSpPr>
+        <p:spPr>
+          <a:xfrm>
+            <a:off x="643812" y="4444018"/>
+            <a:ext cx="2883159" cy="369332"/>
+          </a:xfrm>
+          <a:prstGeom prst="rect">
+            <a:avLst/>
+          </a:prstGeom>
+          <a:noFill/>
+        </p:spPr>
+        <p:txBody>
+          <a:bodyPr wrap="square" rtlCol="0">
+            <a:spAutoFit/>
+          </a:bodyPr>
+          <a:lstStyle/>
+          <a:p>
+            <a:pPr algn="ctr"/>
+            <a:r>
+              <a:rPr lang="en-US" dirty="0"/>
+              <a:t>5’ Primer</a:t>
+            </a:r>
+          </a:p>
+        </p:txBody>
+      </p:sp>
+      <p:sp>
+        <p:nvSpPr>
+          <p:cNvPr id="45" name="TextBox 44">
+            <a:extLst>
+              <a:ext uri="{FF2B5EF4-FFF2-40B4-BE49-F238E27FC236}">
+                <a16:creationId xmlns:a16="http://schemas.microsoft.com/office/drawing/2014/main" id="{102BD675-1541-E014-C658-BD66661ACD73}"/>
+              </a:ext>
+            </a:extLst>
+          </p:cNvPr>
+          <p:cNvSpPr txBox="1"/>
+          <p:nvPr/>
+        </p:nvSpPr>
+        <p:spPr>
+          <a:xfrm>
+            <a:off x="7927911" y="4444018"/>
+            <a:ext cx="2883159" cy="369332"/>
+          </a:xfrm>
+          <a:prstGeom prst="rect">
+            <a:avLst/>
+          </a:prstGeom>
+          <a:noFill/>
+        </p:spPr>
+        <p:txBody>
+          <a:bodyPr wrap="square" rtlCol="0">
+            <a:spAutoFit/>
+          </a:bodyPr>
+          <a:lstStyle/>
+          <a:p>
+            <a:pPr algn="ctr"/>
+            <a:r>
+              <a:rPr lang="en-US" dirty="0"/>
+              <a:t>3’ Primer</a:t>
+            </a:r>
+          </a:p>
+        </p:txBody>
+      </p:sp>
+      <p:cxnSp>
+        <p:nvCxnSpPr>
+          <p:cNvPr id="46" name="Straight Connector 45">
+            <a:extLst>
+              <a:ext uri="{FF2B5EF4-FFF2-40B4-BE49-F238E27FC236}">
+                <a16:creationId xmlns:a16="http://schemas.microsoft.com/office/drawing/2014/main" id="{9C325EF3-5AA4-48C1-4455-41B7B602290A}"/>
+              </a:ext>
+            </a:extLst>
+          </p:cNvPr>
+          <p:cNvCxnSpPr>
+            <a:cxnSpLocks/>
+          </p:cNvCxnSpPr>
+          <p:nvPr/>
+        </p:nvCxnSpPr>
+        <p:spPr>
+          <a:xfrm flipH="1">
+            <a:off x="438539" y="4416026"/>
+            <a:ext cx="942391" cy="0"/>
+          </a:xfrm>
+          <a:prstGeom prst="line">
+            <a:avLst/>
+          </a:prstGeom>
+          <a:ln w="12700">
+            <a:headEnd type="none" w="med" len="med"/>
+            <a:tailEnd type="arrow" w="med" len="med"/>
+          </a:ln>
+        </p:spPr>
+        <p:style>
+          <a:lnRef idx="1">
+            <a:schemeClr val="dk1"/>
+          </a:lnRef>
+          <a:fillRef idx="0">
+            <a:schemeClr val="dk1"/>
+          </a:fillRef>
+          <a:effectRef idx="0">
+            <a:schemeClr val="dk1"/>
+          </a:effectRef>
+          <a:fontRef idx="minor">
+            <a:schemeClr val="tx1"/>
+          </a:fontRef>
+        </p:style>
+      </p:cxnSp>
+      <p:cxnSp>
+        <p:nvCxnSpPr>
+          <p:cNvPr id="47" name="Straight Connector 46">
+            <a:extLst>
+              <a:ext uri="{FF2B5EF4-FFF2-40B4-BE49-F238E27FC236}">
+                <a16:creationId xmlns:a16="http://schemas.microsoft.com/office/drawing/2014/main" id="{5DC270CD-F022-E78F-844F-FD4B34EED34A}"/>
+              </a:ext>
+            </a:extLst>
+          </p:cNvPr>
+          <p:cNvCxnSpPr>
+            <a:cxnSpLocks/>
+          </p:cNvCxnSpPr>
+          <p:nvPr/>
+        </p:nvCxnSpPr>
+        <p:spPr>
+          <a:xfrm flipH="1">
+            <a:off x="438539" y="4845234"/>
+            <a:ext cx="942391" cy="0"/>
+          </a:xfrm>
+          <a:prstGeom prst="line">
+            <a:avLst/>
+          </a:prstGeom>
+          <a:ln w="12700"/>
+        </p:spPr>
+        <p:style>
+          <a:lnRef idx="1">
+            <a:schemeClr val="dk1"/>
+          </a:lnRef>
+          <a:fillRef idx="0">
+            <a:schemeClr val="dk1"/>
+          </a:fillRef>
+          <a:effectRef idx="0">
+            <a:schemeClr val="dk1"/>
+          </a:effectRef>
+          <a:fontRef idx="minor">
+            <a:schemeClr val="tx1"/>
+          </a:fontRef>
+        </p:style>
+      </p:cxnSp>
+      <p:cxnSp>
+        <p:nvCxnSpPr>
+          <p:cNvPr id="48" name="Straight Connector 47">
+            <a:extLst>
+              <a:ext uri="{FF2B5EF4-FFF2-40B4-BE49-F238E27FC236}">
+                <a16:creationId xmlns:a16="http://schemas.microsoft.com/office/drawing/2014/main" id="{95B31E71-0846-161C-4263-A7A66709B2BE}"/>
+              </a:ext>
+            </a:extLst>
+          </p:cNvPr>
+          <p:cNvCxnSpPr>
+            <a:cxnSpLocks/>
+          </p:cNvCxnSpPr>
+          <p:nvPr/>
+        </p:nvCxnSpPr>
+        <p:spPr>
+          <a:xfrm flipH="1">
+            <a:off x="10054979" y="4416026"/>
+            <a:ext cx="942391" cy="0"/>
+          </a:xfrm>
+          <a:prstGeom prst="line">
+            <a:avLst/>
+          </a:prstGeom>
+          <a:ln w="12700">
+            <a:headEnd type="none"/>
+            <a:tailEnd type="none"/>
+          </a:ln>
+        </p:spPr>
+        <p:style>
+          <a:lnRef idx="1">
+            <a:schemeClr val="dk1"/>
+          </a:lnRef>
+          <a:fillRef idx="0">
+            <a:schemeClr val="dk1"/>
+          </a:fillRef>
+          <a:effectRef idx="0">
+            <a:schemeClr val="dk1"/>
+          </a:effectRef>
+          <a:fontRef idx="minor">
+            <a:schemeClr val="tx1"/>
+          </a:fontRef>
+        </p:style>
+      </p:cxnSp>
+      <p:cxnSp>
+        <p:nvCxnSpPr>
+          <p:cNvPr id="49" name="Straight Connector 48">
+            <a:extLst>
+              <a:ext uri="{FF2B5EF4-FFF2-40B4-BE49-F238E27FC236}">
+                <a16:creationId xmlns:a16="http://schemas.microsoft.com/office/drawing/2014/main" id="{FFC649AC-A5A1-3792-17EC-884AC40EC8F4}"/>
+              </a:ext>
+            </a:extLst>
+          </p:cNvPr>
+          <p:cNvCxnSpPr>
+            <a:cxnSpLocks/>
+          </p:cNvCxnSpPr>
+          <p:nvPr/>
+        </p:nvCxnSpPr>
+        <p:spPr>
+          <a:xfrm flipH="1">
+            <a:off x="10054979" y="4845234"/>
+            <a:ext cx="942391" cy="0"/>
+          </a:xfrm>
+          <a:prstGeom prst="line">
+            <a:avLst/>
+          </a:prstGeom>
+          <a:ln w="12700">
+            <a:headEnd type="arrow" w="med" len="med"/>
+            <a:tailEnd type="none" w="med" len="med"/>
+          </a:ln>
+        </p:spPr>
+        <p:style>
+          <a:lnRef idx="1">
+            <a:schemeClr val="dk1"/>
+          </a:lnRef>
+          <a:fillRef idx="0">
+            <a:schemeClr val="dk1"/>
+          </a:fillRef>
+          <a:effectRef idx="0">
+            <a:schemeClr val="dk1"/>
+          </a:effectRef>
+          <a:fontRef idx="minor">
+            <a:schemeClr val="tx1"/>
+          </a:fontRef>
+        </p:style>
+      </p:cxnSp>
+      <p:sp>
+        <p:nvSpPr>
+          <p:cNvPr id="50" name="Rectangle 36">
+            <a:extLst>
+              <a:ext uri="{FF2B5EF4-FFF2-40B4-BE49-F238E27FC236}">
+                <a16:creationId xmlns:a16="http://schemas.microsoft.com/office/drawing/2014/main" id="{97FCE8C9-11CE-BFC2-84E4-C1506BBAA21C}"/>
+              </a:ext>
+            </a:extLst>
+          </p:cNvPr>
+          <p:cNvSpPr/>
+          <p:nvPr/>
+        </p:nvSpPr>
+        <p:spPr>
+          <a:xfrm>
+            <a:off x="6321385" y="4416026"/>
+            <a:ext cx="3820990" cy="429208"/>
+          </a:xfrm>
+          <a:custGeom>
+            <a:avLst/>
+            <a:gdLst>
+              <a:gd name="connsiteX0" fmla="*/ 0 w 3820990"/>
+              <a:gd name="connsiteY0" fmla="*/ 0 h 429208"/>
+              <a:gd name="connsiteX1" fmla="*/ 3820990 w 3820990"/>
+              <a:gd name="connsiteY1" fmla="*/ 0 h 429208"/>
+              <a:gd name="connsiteX2" fmla="*/ 3820990 w 3820990"/>
+              <a:gd name="connsiteY2" fmla="*/ 429208 h 429208"/>
+              <a:gd name="connsiteX3" fmla="*/ 0 w 3820990"/>
+              <a:gd name="connsiteY3" fmla="*/ 429208 h 429208"/>
+              <a:gd name="connsiteX4" fmla="*/ 0 w 3820990"/>
+              <a:gd name="connsiteY4" fmla="*/ 0 h 429208"/>
+              <a:gd name="connsiteX0" fmla="*/ 9 w 3820999"/>
+              <a:gd name="connsiteY0" fmla="*/ 0 h 429208"/>
+              <a:gd name="connsiteX1" fmla="*/ 3820999 w 3820999"/>
+              <a:gd name="connsiteY1" fmla="*/ 0 h 429208"/>
+              <a:gd name="connsiteX2" fmla="*/ 3820999 w 3820999"/>
+              <a:gd name="connsiteY2" fmla="*/ 429208 h 429208"/>
+              <a:gd name="connsiteX3" fmla="*/ 9 w 3820999"/>
+              <a:gd name="connsiteY3" fmla="*/ 429208 h 429208"/>
+              <a:gd name="connsiteX4" fmla="*/ 174674 w 3820999"/>
+              <a:gd name="connsiteY4" fmla="*/ 214137 h 429208"/>
+              <a:gd name="connsiteX5" fmla="*/ 9 w 3820999"/>
+              <a:gd name="connsiteY5" fmla="*/ 0 h 429208"/>
+              <a:gd name="connsiteX0" fmla="*/ 15 w 3821005"/>
+              <a:gd name="connsiteY0" fmla="*/ 0 h 429208"/>
+              <a:gd name="connsiteX1" fmla="*/ 3821005 w 3821005"/>
+              <a:gd name="connsiteY1" fmla="*/ 0 h 429208"/>
+              <a:gd name="connsiteX2" fmla="*/ 3821005 w 3821005"/>
+              <a:gd name="connsiteY2" fmla="*/ 429208 h 429208"/>
+              <a:gd name="connsiteX3" fmla="*/ 15 w 3821005"/>
+              <a:gd name="connsiteY3" fmla="*/ 429208 h 429208"/>
+              <a:gd name="connsiteX4" fmla="*/ 174680 w 3821005"/>
+              <a:gd name="connsiteY4" fmla="*/ 214137 h 429208"/>
+              <a:gd name="connsiteX5" fmla="*/ 15 w 3821005"/>
+              <a:gd name="connsiteY5" fmla="*/ 0 h 429208"/>
+              <a:gd name="connsiteX0" fmla="*/ 15 w 3821005"/>
+              <a:gd name="connsiteY0" fmla="*/ 0 h 429208"/>
+              <a:gd name="connsiteX1" fmla="*/ 3821005 w 3821005"/>
+              <a:gd name="connsiteY1" fmla="*/ 0 h 429208"/>
+              <a:gd name="connsiteX2" fmla="*/ 3821005 w 3821005"/>
+              <a:gd name="connsiteY2" fmla="*/ 429208 h 429208"/>
+              <a:gd name="connsiteX3" fmla="*/ 15 w 3821005"/>
+              <a:gd name="connsiteY3" fmla="*/ 429208 h 429208"/>
+              <a:gd name="connsiteX4" fmla="*/ 174680 w 3821005"/>
+              <a:gd name="connsiteY4" fmla="*/ 214137 h 429208"/>
+              <a:gd name="connsiteX5" fmla="*/ 15 w 3821005"/>
+              <a:gd name="connsiteY5" fmla="*/ 0 h 429208"/>
+              <a:gd name="connsiteX0" fmla="*/ 0 w 3820990"/>
+              <a:gd name="connsiteY0" fmla="*/ 0 h 429208"/>
+              <a:gd name="connsiteX1" fmla="*/ 3820990 w 3820990"/>
+              <a:gd name="connsiteY1" fmla="*/ 0 h 429208"/>
+              <a:gd name="connsiteX2" fmla="*/ 3820990 w 3820990"/>
+              <a:gd name="connsiteY2" fmla="*/ 429208 h 429208"/>
+              <a:gd name="connsiteX3" fmla="*/ 0 w 3820990"/>
+              <a:gd name="connsiteY3" fmla="*/ 429208 h 429208"/>
+              <a:gd name="connsiteX4" fmla="*/ 174665 w 3820990"/>
+              <a:gd name="connsiteY4" fmla="*/ 214137 h 429208"/>
+              <a:gd name="connsiteX5" fmla="*/ 0 w 3820990"/>
+              <a:gd name="connsiteY5" fmla="*/ 0 h 429208"/>
+              <a:gd name="connsiteX0" fmla="*/ 0 w 3820990"/>
+              <a:gd name="connsiteY0" fmla="*/ 0 h 429208"/>
+              <a:gd name="connsiteX1" fmla="*/ 3820990 w 3820990"/>
+              <a:gd name="connsiteY1" fmla="*/ 0 h 429208"/>
+              <a:gd name="connsiteX2" fmla="*/ 3820990 w 3820990"/>
+              <a:gd name="connsiteY2" fmla="*/ 429208 h 429208"/>
+              <a:gd name="connsiteX3" fmla="*/ 0 w 3820990"/>
+              <a:gd name="connsiteY3" fmla="*/ 429208 h 429208"/>
+              <a:gd name="connsiteX4" fmla="*/ 174665 w 3820990"/>
+              <a:gd name="connsiteY4" fmla="*/ 214137 h 429208"/>
+              <a:gd name="connsiteX5" fmla="*/ 0 w 3820990"/>
+              <a:gd name="connsiteY5" fmla="*/ 0 h 429208"/>
+              <a:gd name="connsiteX0" fmla="*/ 0 w 3820990"/>
+              <a:gd name="connsiteY0" fmla="*/ 0 h 429208"/>
+              <a:gd name="connsiteX1" fmla="*/ 3820990 w 3820990"/>
+              <a:gd name="connsiteY1" fmla="*/ 0 h 429208"/>
+              <a:gd name="connsiteX2" fmla="*/ 3820990 w 3820990"/>
+              <a:gd name="connsiteY2" fmla="*/ 429208 h 429208"/>
+              <a:gd name="connsiteX3" fmla="*/ 0 w 3820990"/>
+              <a:gd name="connsiteY3" fmla="*/ 429208 h 429208"/>
+              <a:gd name="connsiteX4" fmla="*/ 174665 w 3820990"/>
+              <a:gd name="connsiteY4" fmla="*/ 214137 h 429208"/>
+              <a:gd name="connsiteX5" fmla="*/ 0 w 3820990"/>
+              <a:gd name="connsiteY5" fmla="*/ 0 h 429208"/>
+              <a:gd name="connsiteX0" fmla="*/ 0 w 3820990"/>
+              <a:gd name="connsiteY0" fmla="*/ 0 h 429208"/>
+              <a:gd name="connsiteX1" fmla="*/ 3820990 w 3820990"/>
+              <a:gd name="connsiteY1" fmla="*/ 0 h 429208"/>
+              <a:gd name="connsiteX2" fmla="*/ 3820990 w 3820990"/>
+              <a:gd name="connsiteY2" fmla="*/ 429208 h 429208"/>
+              <a:gd name="connsiteX3" fmla="*/ 0 w 3820990"/>
+              <a:gd name="connsiteY3" fmla="*/ 429208 h 429208"/>
+              <a:gd name="connsiteX4" fmla="*/ 174665 w 3820990"/>
+              <a:gd name="connsiteY4" fmla="*/ 214137 h 429208"/>
+              <a:gd name="connsiteX5" fmla="*/ 0 w 3820990"/>
+              <a:gd name="connsiteY5" fmla="*/ 0 h 429208"/>
+            </a:gdLst>
+            <a:ahLst/>
+            <a:cxnLst>
+              <a:cxn ang="0">
+                <a:pos x="connsiteX0" y="connsiteY0"/>
+              </a:cxn>
+              <a:cxn ang="0">
+                <a:pos x="connsiteX1" y="connsiteY1"/>
+              </a:cxn>
+              <a:cxn ang="0">
+                <a:pos x="connsiteX2" y="connsiteY2"/>
+              </a:cxn>
+              <a:cxn ang="0">
+                <a:pos x="connsiteX3" y="connsiteY3"/>
+              </a:cxn>
+              <a:cxn ang="0">
+                <a:pos x="connsiteX4" y="connsiteY4"/>
+              </a:cxn>
+              <a:cxn ang="0">
+                <a:pos x="connsiteX5" y="connsiteY5"/>
+              </a:cxn>
+            </a:cxnLst>
+            <a:rect l="l" t="t" r="r" b="b"/>
+            <a:pathLst>
+              <a:path w="3820990" h="429208">
+                <a:moveTo>
+                  <a:pt x="0" y="0"/>
+                </a:moveTo>
+                <a:lnTo>
+                  <a:pt x="3820990" y="0"/>
+                </a:lnTo>
+                <a:lnTo>
+                  <a:pt x="3820990" y="429208"/>
+                </a:lnTo>
+                <a:lnTo>
+                  <a:pt x="0" y="429208"/>
+                </a:lnTo>
+                <a:cubicBezTo>
+                  <a:pt x="80447" y="325768"/>
+                  <a:pt x="103743" y="309957"/>
+                  <a:pt x="174665" y="214137"/>
+                </a:cubicBezTo>
+                <a:cubicBezTo>
+                  <a:pt x="99298" y="131328"/>
+                  <a:pt x="58222" y="71379"/>
+                  <a:pt x="0" y="0"/>
+                </a:cubicBezTo>
+                <a:close/>
+              </a:path>
+            </a:pathLst>
+          </a:custGeom>
+          <a:noFill/>
+        </p:spPr>
+        <p:style>
+          <a:lnRef idx="2">
+            <a:schemeClr val="accent1">
+              <a:shade val="50000"/>
+            </a:schemeClr>
+          </a:lnRef>
+          <a:fillRef idx="1">
+            <a:schemeClr val="accent1"/>
+          </a:fillRef>
+          <a:effectRef idx="0">
+            <a:schemeClr val="accent1"/>
+          </a:effectRef>
+          <a:fontRef idx="minor">
+            <a:schemeClr val="lt1"/>
+          </a:fontRef>
+        </p:style>
+        <p:txBody>
+          <a:bodyPr rtlCol="0" anchor="ctr"/>
+          <a:lstStyle/>
+          <a:p>
+            <a:pPr algn="ctr"/>
+            <a:endParaRPr lang="en-US"/>
+          </a:p>
+        </p:txBody>
+      </p:sp>
+      <p:sp>
+        <p:nvSpPr>
+          <p:cNvPr id="51" name="TextBox 50">
+            <a:extLst>
+              <a:ext uri="{FF2B5EF4-FFF2-40B4-BE49-F238E27FC236}">
+                <a16:creationId xmlns:a16="http://schemas.microsoft.com/office/drawing/2014/main" id="{E646E6D1-339A-F91B-C58F-C54ECB3D9CEA}"/>
+              </a:ext>
+            </a:extLst>
+          </p:cNvPr>
+          <p:cNvSpPr txBox="1"/>
+          <p:nvPr/>
+        </p:nvSpPr>
+        <p:spPr>
+          <a:xfrm>
+            <a:off x="4567235" y="3891023"/>
+            <a:ext cx="2388834" cy="369332"/>
+          </a:xfrm>
+          <a:prstGeom prst="rect">
+            <a:avLst/>
+          </a:prstGeom>
+          <a:noFill/>
+        </p:spPr>
+        <p:txBody>
+          <a:bodyPr wrap="square" rtlCol="0">
+            <a:spAutoFit/>
+          </a:bodyPr>
+          <a:lstStyle/>
+          <a:p>
+            <a:pPr algn="ctr"/>
+            <a:r>
+              <a:rPr lang="en-US" dirty="0"/>
+              <a:t>Repair occurs</a:t>
+            </a:r>
+          </a:p>
+        </p:txBody>
+      </p:sp>
+      <p:cxnSp>
+        <p:nvCxnSpPr>
+          <p:cNvPr id="52" name="Straight Connector 51">
+            <a:extLst>
+              <a:ext uri="{FF2B5EF4-FFF2-40B4-BE49-F238E27FC236}">
+                <a16:creationId xmlns:a16="http://schemas.microsoft.com/office/drawing/2014/main" id="{8A1710EB-F59E-852F-D489-4B87C34ABD39}"/>
+              </a:ext>
+            </a:extLst>
+          </p:cNvPr>
+          <p:cNvCxnSpPr>
+            <a:cxnSpLocks/>
+            <a:stCxn id="50" idx="3"/>
+          </p:cNvCxnSpPr>
+          <p:nvPr/>
+        </p:nvCxnSpPr>
+        <p:spPr>
+          <a:xfrm flipH="1">
+            <a:off x="5177986" y="4845234"/>
+            <a:ext cx="1143399" cy="0"/>
+          </a:xfrm>
+          <a:prstGeom prst="line">
+            <a:avLst/>
+          </a:prstGeom>
+          <a:ln w="12700"/>
+        </p:spPr>
+        <p:style>
+          <a:lnRef idx="1">
+            <a:schemeClr val="dk1"/>
+          </a:lnRef>
+          <a:fillRef idx="0">
+            <a:schemeClr val="dk1"/>
+          </a:fillRef>
+          <a:effectRef idx="0">
+            <a:schemeClr val="dk1"/>
+          </a:effectRef>
+          <a:fontRef idx="minor">
+            <a:schemeClr val="tx1"/>
+          </a:fontRef>
+        </p:style>
+      </p:cxnSp>
+      <p:cxnSp>
+        <p:nvCxnSpPr>
+          <p:cNvPr id="54" name="Straight Connector 53">
+            <a:extLst>
+              <a:ext uri="{FF2B5EF4-FFF2-40B4-BE49-F238E27FC236}">
+                <a16:creationId xmlns:a16="http://schemas.microsoft.com/office/drawing/2014/main" id="{F3010530-9EA2-C155-2F1B-C1273C0ACC4C}"/>
+              </a:ext>
+            </a:extLst>
+          </p:cNvPr>
+          <p:cNvCxnSpPr>
+            <a:cxnSpLocks/>
+          </p:cNvCxnSpPr>
+          <p:nvPr/>
+        </p:nvCxnSpPr>
+        <p:spPr>
+          <a:xfrm flipH="1">
+            <a:off x="5177986" y="4416026"/>
+            <a:ext cx="1143399" cy="0"/>
+          </a:xfrm>
+          <a:prstGeom prst="line">
+            <a:avLst/>
+          </a:prstGeom>
+          <a:ln w="12700"/>
+        </p:spPr>
+        <p:style>
+          <a:lnRef idx="1">
+            <a:schemeClr val="dk1"/>
+          </a:lnRef>
+          <a:fillRef idx="0">
+            <a:schemeClr val="dk1"/>
+          </a:fillRef>
+          <a:effectRef idx="0">
+            <a:schemeClr val="dk1"/>
+          </a:effectRef>
+          <a:fontRef idx="minor">
+            <a:schemeClr val="tx1"/>
+          </a:fontRef>
+        </p:style>
+      </p:cxnSp>
+    </p:spTree>
+    <p:extLst>
+      <p:ext uri="{BB962C8B-B14F-4D97-AF65-F5344CB8AC3E}">
+        <p14:creationId xmlns:p14="http://schemas.microsoft.com/office/powerpoint/2010/main" val="218588697"/>
+      </p:ext>
+    </p:extLst>
+  </p:cSld>
+  <p:clrMapOvr>
+    <a:masterClrMapping/>
+  </p:clrMapOvr>
+</p:sld>
+</file>
+
 <file path=ppt/theme/theme1.xml><?xml version="1.0" encoding="utf-8"?>
 <a:theme xmlns:a="http://schemas.openxmlformats.org/drawingml/2006/main" name="Office Theme">
   <a:themeElements>
